--- a/Beer_Present_Final.pptx
+++ b/Beer_Present_Final.pptx
@@ -237,7 +237,7 @@
           <a:p>
             <a:fld id="{C17F2C1D-F243-42AB-ADF2-E7CB4E04900E}" type="datetimeFigureOut">
               <a:rPr lang="en-US" smtClean="0"/>
-              <a:t>3/16/2021</a:t>
+              <a:t>3/17/2021</a:t>
             </a:fld>
             <a:endParaRPr lang="en-US"/>
           </a:p>
@@ -414,7 +414,7 @@
           <a:p>
             <a:fld id="{020CE34E-5667-4A32-A6BA-10C7A552BC63}" type="datetimeFigureOut">
               <a:rPr lang="en-US" smtClean="0"/>
-              <a:t>3/16/2021</a:t>
+              <a:t>3/17/2021</a:t>
             </a:fld>
             <a:endParaRPr lang="en-US"/>
           </a:p>
@@ -15838,6 +15838,9 @@
                     <p:cTn id="3" fill="hold">
                       <p:stCondLst>
                         <p:cond delay="indefinite"/>
+                        <p:cond evt="onBegin" delay="0">
+                          <p:tn val="2"/>
+                        </p:cond>
                       </p:stCondLst>
                       <p:childTnLst>
                         <p:par>
@@ -15847,7 +15850,7 @@
                             </p:stCondLst>
                             <p:childTnLst>
                               <p:par>
-                                <p:cTn id="5" presetID="10" presetClass="entr" presetSubtype="0" fill="hold" nodeType="clickEffect">
+                                <p:cTn id="5" presetID="10" presetClass="entr" presetSubtype="0" fill="hold" grpId="0" nodeType="withEffect">
                                   <p:stCondLst>
                                     <p:cond delay="0"/>
                                   </p:stCondLst>
@@ -15855,6 +15858,59 @@
                                     <p:set>
                                       <p:cBhvr>
                                         <p:cTn id="6" dur="1" fill="hold">
+                                          <p:stCondLst>
+                                            <p:cond delay="0"/>
+                                          </p:stCondLst>
+                                        </p:cTn>
+                                        <p:tgtEl>
+                                          <p:spTgt spid="4"/>
+                                        </p:tgtEl>
+                                        <p:attrNameLst>
+                                          <p:attrName>style.visibility</p:attrName>
+                                        </p:attrNameLst>
+                                      </p:cBhvr>
+                                      <p:to>
+                                        <p:strVal val="visible"/>
+                                      </p:to>
+                                    </p:set>
+                                    <p:animEffect transition="in" filter="fade">
+                                      <p:cBhvr>
+                                        <p:cTn id="7" dur="2000"/>
+                                        <p:tgtEl>
+                                          <p:spTgt spid="4"/>
+                                        </p:tgtEl>
+                                      </p:cBhvr>
+                                    </p:animEffect>
+                                  </p:childTnLst>
+                                </p:cTn>
+                              </p:par>
+                            </p:childTnLst>
+                          </p:cTn>
+                        </p:par>
+                      </p:childTnLst>
+                    </p:cTn>
+                  </p:par>
+                  <p:par>
+                    <p:cTn id="8" fill="hold">
+                      <p:stCondLst>
+                        <p:cond delay="indefinite"/>
+                      </p:stCondLst>
+                      <p:childTnLst>
+                        <p:par>
+                          <p:cTn id="9" fill="hold">
+                            <p:stCondLst>
+                              <p:cond delay="0"/>
+                            </p:stCondLst>
+                            <p:childTnLst>
+                              <p:par>
+                                <p:cTn id="10" presetID="10" presetClass="entr" presetSubtype="0" fill="hold" nodeType="clickEffect">
+                                  <p:stCondLst>
+                                    <p:cond delay="0"/>
+                                  </p:stCondLst>
+                                  <p:childTnLst>
+                                    <p:set>
+                                      <p:cBhvr>
+                                        <p:cTn id="11" dur="1" fill="hold">
                                           <p:stCondLst>
                                             <p:cond delay="0"/>
                                           </p:stCondLst>
@@ -15872,44 +15928,9 @@
                                     </p:set>
                                     <p:animEffect transition="in" filter="fade">
                                       <p:cBhvr>
-                                        <p:cTn id="7" dur="2000"/>
+                                        <p:cTn id="12" dur="2000"/>
                                         <p:tgtEl>
                                           <p:spTgt spid="3"/>
-                                        </p:tgtEl>
-                                      </p:cBhvr>
-                                    </p:animEffect>
-                                  </p:childTnLst>
-                                </p:cTn>
-                              </p:par>
-                              <p:par>
-                                <p:cTn id="8" presetID="10" presetClass="entr" presetSubtype="0" fill="hold" grpId="0" nodeType="withEffect">
-                                  <p:stCondLst>
-                                    <p:cond delay="0"/>
-                                  </p:stCondLst>
-                                  <p:childTnLst>
-                                    <p:set>
-                                      <p:cBhvr>
-                                        <p:cTn id="9" dur="1" fill="hold">
-                                          <p:stCondLst>
-                                            <p:cond delay="0"/>
-                                          </p:stCondLst>
-                                        </p:cTn>
-                                        <p:tgtEl>
-                                          <p:spTgt spid="4"/>
-                                        </p:tgtEl>
-                                        <p:attrNameLst>
-                                          <p:attrName>style.visibility</p:attrName>
-                                        </p:attrNameLst>
-                                      </p:cBhvr>
-                                      <p:to>
-                                        <p:strVal val="visible"/>
-                                      </p:to>
-                                    </p:set>
-                                    <p:animEffect transition="in" filter="fade">
-                                      <p:cBhvr>
-                                        <p:cTn id="10" dur="2000"/>
-                                        <p:tgtEl>
-                                          <p:spTgt spid="4"/>
                                         </p:tgtEl>
                                       </p:cBhvr>
                                     </p:animEffect>
@@ -19978,6 +19999,520 @@
   <p:clrMapOvr>
     <a:masterClrMapping/>
   </p:clrMapOvr>
+  <p:timing>
+    <p:tnLst>
+      <p:par>
+        <p:cTn id="1" dur="indefinite" restart="never" nodeType="tmRoot">
+          <p:childTnLst>
+            <p:seq concurrent="1" nextAc="seek">
+              <p:cTn id="2" dur="indefinite" nodeType="mainSeq">
+                <p:childTnLst>
+                  <p:par>
+                    <p:cTn id="3" fill="hold">
+                      <p:stCondLst>
+                        <p:cond delay="indefinite"/>
+                      </p:stCondLst>
+                      <p:childTnLst>
+                        <p:par>
+                          <p:cTn id="4" fill="hold">
+                            <p:stCondLst>
+                              <p:cond delay="0"/>
+                            </p:stCondLst>
+                            <p:childTnLst>
+                              <p:par>
+                                <p:cTn id="5" presetID="10" presetClass="entr" presetSubtype="0" fill="hold" grpId="0" nodeType="clickEffect">
+                                  <p:stCondLst>
+                                    <p:cond delay="0"/>
+                                  </p:stCondLst>
+                                  <p:childTnLst>
+                                    <p:set>
+                                      <p:cBhvr>
+                                        <p:cTn id="6" dur="1" fill="hold">
+                                          <p:stCondLst>
+                                            <p:cond delay="0"/>
+                                          </p:stCondLst>
+                                        </p:cTn>
+                                        <p:tgtEl>
+                                          <p:spTgt spid="6"/>
+                                        </p:tgtEl>
+                                        <p:attrNameLst>
+                                          <p:attrName>style.visibility</p:attrName>
+                                        </p:attrNameLst>
+                                      </p:cBhvr>
+                                      <p:to>
+                                        <p:strVal val="visible"/>
+                                      </p:to>
+                                    </p:set>
+                                    <p:animEffect transition="in" filter="fade">
+                                      <p:cBhvr>
+                                        <p:cTn id="7" dur="1500"/>
+                                        <p:tgtEl>
+                                          <p:spTgt spid="6"/>
+                                        </p:tgtEl>
+                                      </p:cBhvr>
+                                    </p:animEffect>
+                                  </p:childTnLst>
+                                </p:cTn>
+                              </p:par>
+                            </p:childTnLst>
+                          </p:cTn>
+                        </p:par>
+                      </p:childTnLst>
+                    </p:cTn>
+                  </p:par>
+                  <p:par>
+                    <p:cTn id="8" fill="hold">
+                      <p:stCondLst>
+                        <p:cond delay="indefinite"/>
+                      </p:stCondLst>
+                      <p:childTnLst>
+                        <p:par>
+                          <p:cTn id="9" fill="hold">
+                            <p:stCondLst>
+                              <p:cond delay="0"/>
+                            </p:stCondLst>
+                            <p:childTnLst>
+                              <p:par>
+                                <p:cTn id="10" presetID="16" presetClass="entr" presetSubtype="21" fill="hold" grpId="0" nodeType="clickEffect">
+                                  <p:stCondLst>
+                                    <p:cond delay="0"/>
+                                  </p:stCondLst>
+                                  <p:childTnLst>
+                                    <p:set>
+                                      <p:cBhvr>
+                                        <p:cTn id="11" dur="1" fill="hold">
+                                          <p:stCondLst>
+                                            <p:cond delay="0"/>
+                                          </p:stCondLst>
+                                        </p:cTn>
+                                        <p:tgtEl>
+                                          <p:spTgt spid="16">
+                                            <p:txEl>
+                                              <p:pRg st="0" end="0"/>
+                                            </p:txEl>
+                                          </p:spTgt>
+                                        </p:tgtEl>
+                                        <p:attrNameLst>
+                                          <p:attrName>style.visibility</p:attrName>
+                                        </p:attrNameLst>
+                                      </p:cBhvr>
+                                      <p:to>
+                                        <p:strVal val="visible"/>
+                                      </p:to>
+                                    </p:set>
+                                    <p:animEffect transition="in" filter="barn(inVertical)">
+                                      <p:cBhvr>
+                                        <p:cTn id="12" dur="500"/>
+                                        <p:tgtEl>
+                                          <p:spTgt spid="16">
+                                            <p:txEl>
+                                              <p:pRg st="0" end="0"/>
+                                            </p:txEl>
+                                          </p:spTgt>
+                                        </p:tgtEl>
+                                      </p:cBhvr>
+                                    </p:animEffect>
+                                  </p:childTnLst>
+                                </p:cTn>
+                              </p:par>
+                            </p:childTnLst>
+                          </p:cTn>
+                        </p:par>
+                      </p:childTnLst>
+                    </p:cTn>
+                  </p:par>
+                  <p:par>
+                    <p:cTn id="13" fill="hold">
+                      <p:stCondLst>
+                        <p:cond delay="indefinite"/>
+                      </p:stCondLst>
+                      <p:childTnLst>
+                        <p:par>
+                          <p:cTn id="14" fill="hold">
+                            <p:stCondLst>
+                              <p:cond delay="0"/>
+                            </p:stCondLst>
+                            <p:childTnLst>
+                              <p:par>
+                                <p:cTn id="15" presetID="16" presetClass="entr" presetSubtype="21" fill="hold" grpId="0" nodeType="clickEffect">
+                                  <p:stCondLst>
+                                    <p:cond delay="0"/>
+                                  </p:stCondLst>
+                                  <p:childTnLst>
+                                    <p:set>
+                                      <p:cBhvr>
+                                        <p:cTn id="16" dur="1" fill="hold">
+                                          <p:stCondLst>
+                                            <p:cond delay="0"/>
+                                          </p:stCondLst>
+                                        </p:cTn>
+                                        <p:tgtEl>
+                                          <p:spTgt spid="16">
+                                            <p:txEl>
+                                              <p:pRg st="1" end="1"/>
+                                            </p:txEl>
+                                          </p:spTgt>
+                                        </p:tgtEl>
+                                        <p:attrNameLst>
+                                          <p:attrName>style.visibility</p:attrName>
+                                        </p:attrNameLst>
+                                      </p:cBhvr>
+                                      <p:to>
+                                        <p:strVal val="visible"/>
+                                      </p:to>
+                                    </p:set>
+                                    <p:animEffect transition="in" filter="barn(inVertical)">
+                                      <p:cBhvr>
+                                        <p:cTn id="17" dur="500"/>
+                                        <p:tgtEl>
+                                          <p:spTgt spid="16">
+                                            <p:txEl>
+                                              <p:pRg st="1" end="1"/>
+                                            </p:txEl>
+                                          </p:spTgt>
+                                        </p:tgtEl>
+                                      </p:cBhvr>
+                                    </p:animEffect>
+                                  </p:childTnLst>
+                                </p:cTn>
+                              </p:par>
+                            </p:childTnLst>
+                          </p:cTn>
+                        </p:par>
+                      </p:childTnLst>
+                    </p:cTn>
+                  </p:par>
+                  <p:par>
+                    <p:cTn id="18" fill="hold">
+                      <p:stCondLst>
+                        <p:cond delay="indefinite"/>
+                      </p:stCondLst>
+                      <p:childTnLst>
+                        <p:par>
+                          <p:cTn id="19" fill="hold">
+                            <p:stCondLst>
+                              <p:cond delay="0"/>
+                            </p:stCondLst>
+                            <p:childTnLst>
+                              <p:par>
+                                <p:cTn id="20" presetID="16" presetClass="entr" presetSubtype="21" fill="hold" grpId="0" nodeType="clickEffect">
+                                  <p:stCondLst>
+                                    <p:cond delay="0"/>
+                                  </p:stCondLst>
+                                  <p:childTnLst>
+                                    <p:set>
+                                      <p:cBhvr>
+                                        <p:cTn id="21" dur="1" fill="hold">
+                                          <p:stCondLst>
+                                            <p:cond delay="0"/>
+                                          </p:stCondLst>
+                                        </p:cTn>
+                                        <p:tgtEl>
+                                          <p:spTgt spid="16">
+                                            <p:txEl>
+                                              <p:pRg st="2" end="2"/>
+                                            </p:txEl>
+                                          </p:spTgt>
+                                        </p:tgtEl>
+                                        <p:attrNameLst>
+                                          <p:attrName>style.visibility</p:attrName>
+                                        </p:attrNameLst>
+                                      </p:cBhvr>
+                                      <p:to>
+                                        <p:strVal val="visible"/>
+                                      </p:to>
+                                    </p:set>
+                                    <p:animEffect transition="in" filter="barn(inVertical)">
+                                      <p:cBhvr>
+                                        <p:cTn id="22" dur="500"/>
+                                        <p:tgtEl>
+                                          <p:spTgt spid="16">
+                                            <p:txEl>
+                                              <p:pRg st="2" end="2"/>
+                                            </p:txEl>
+                                          </p:spTgt>
+                                        </p:tgtEl>
+                                      </p:cBhvr>
+                                    </p:animEffect>
+                                  </p:childTnLst>
+                                </p:cTn>
+                              </p:par>
+                            </p:childTnLst>
+                          </p:cTn>
+                        </p:par>
+                      </p:childTnLst>
+                    </p:cTn>
+                  </p:par>
+                  <p:par>
+                    <p:cTn id="23" fill="hold">
+                      <p:stCondLst>
+                        <p:cond delay="indefinite"/>
+                      </p:stCondLst>
+                      <p:childTnLst>
+                        <p:par>
+                          <p:cTn id="24" fill="hold">
+                            <p:stCondLst>
+                              <p:cond delay="0"/>
+                            </p:stCondLst>
+                            <p:childTnLst>
+                              <p:par>
+                                <p:cTn id="25" presetID="16" presetClass="entr" presetSubtype="21" fill="hold" grpId="0" nodeType="clickEffect">
+                                  <p:stCondLst>
+                                    <p:cond delay="0"/>
+                                  </p:stCondLst>
+                                  <p:childTnLst>
+                                    <p:set>
+                                      <p:cBhvr>
+                                        <p:cTn id="26" dur="1" fill="hold">
+                                          <p:stCondLst>
+                                            <p:cond delay="0"/>
+                                          </p:stCondLst>
+                                        </p:cTn>
+                                        <p:tgtEl>
+                                          <p:spTgt spid="16">
+                                            <p:txEl>
+                                              <p:pRg st="3" end="3"/>
+                                            </p:txEl>
+                                          </p:spTgt>
+                                        </p:tgtEl>
+                                        <p:attrNameLst>
+                                          <p:attrName>style.visibility</p:attrName>
+                                        </p:attrNameLst>
+                                      </p:cBhvr>
+                                      <p:to>
+                                        <p:strVal val="visible"/>
+                                      </p:to>
+                                    </p:set>
+                                    <p:animEffect transition="in" filter="barn(inVertical)">
+                                      <p:cBhvr>
+                                        <p:cTn id="27" dur="500"/>
+                                        <p:tgtEl>
+                                          <p:spTgt spid="16">
+                                            <p:txEl>
+                                              <p:pRg st="3" end="3"/>
+                                            </p:txEl>
+                                          </p:spTgt>
+                                        </p:tgtEl>
+                                      </p:cBhvr>
+                                    </p:animEffect>
+                                  </p:childTnLst>
+                                </p:cTn>
+                              </p:par>
+                            </p:childTnLst>
+                          </p:cTn>
+                        </p:par>
+                      </p:childTnLst>
+                    </p:cTn>
+                  </p:par>
+                  <p:par>
+                    <p:cTn id="28" fill="hold">
+                      <p:stCondLst>
+                        <p:cond delay="indefinite"/>
+                      </p:stCondLst>
+                      <p:childTnLst>
+                        <p:par>
+                          <p:cTn id="29" fill="hold">
+                            <p:stCondLst>
+                              <p:cond delay="0"/>
+                            </p:stCondLst>
+                            <p:childTnLst>
+                              <p:par>
+                                <p:cTn id="30" presetID="16" presetClass="entr" presetSubtype="21" fill="hold" grpId="0" nodeType="clickEffect">
+                                  <p:stCondLst>
+                                    <p:cond delay="0"/>
+                                  </p:stCondLst>
+                                  <p:childTnLst>
+                                    <p:set>
+                                      <p:cBhvr>
+                                        <p:cTn id="31" dur="1" fill="hold">
+                                          <p:stCondLst>
+                                            <p:cond delay="0"/>
+                                          </p:stCondLst>
+                                        </p:cTn>
+                                        <p:tgtEl>
+                                          <p:spTgt spid="16">
+                                            <p:txEl>
+                                              <p:pRg st="6" end="6"/>
+                                            </p:txEl>
+                                          </p:spTgt>
+                                        </p:tgtEl>
+                                        <p:attrNameLst>
+                                          <p:attrName>style.visibility</p:attrName>
+                                        </p:attrNameLst>
+                                      </p:cBhvr>
+                                      <p:to>
+                                        <p:strVal val="visible"/>
+                                      </p:to>
+                                    </p:set>
+                                    <p:animEffect transition="in" filter="barn(inVertical)">
+                                      <p:cBhvr>
+                                        <p:cTn id="32" dur="500"/>
+                                        <p:tgtEl>
+                                          <p:spTgt spid="16">
+                                            <p:txEl>
+                                              <p:pRg st="6" end="6"/>
+                                            </p:txEl>
+                                          </p:spTgt>
+                                        </p:tgtEl>
+                                      </p:cBhvr>
+                                    </p:animEffect>
+                                  </p:childTnLst>
+                                </p:cTn>
+                              </p:par>
+                            </p:childTnLst>
+                          </p:cTn>
+                        </p:par>
+                      </p:childTnLst>
+                    </p:cTn>
+                  </p:par>
+                  <p:par>
+                    <p:cTn id="33" fill="hold">
+                      <p:stCondLst>
+                        <p:cond delay="indefinite"/>
+                      </p:stCondLst>
+                      <p:childTnLst>
+                        <p:par>
+                          <p:cTn id="34" fill="hold">
+                            <p:stCondLst>
+                              <p:cond delay="0"/>
+                            </p:stCondLst>
+                            <p:childTnLst>
+                              <p:par>
+                                <p:cTn id="35" presetID="16" presetClass="entr" presetSubtype="21" fill="hold" grpId="0" nodeType="clickEffect">
+                                  <p:stCondLst>
+                                    <p:cond delay="0"/>
+                                  </p:stCondLst>
+                                  <p:childTnLst>
+                                    <p:set>
+                                      <p:cBhvr>
+                                        <p:cTn id="36" dur="1" fill="hold">
+                                          <p:stCondLst>
+                                            <p:cond delay="0"/>
+                                          </p:stCondLst>
+                                        </p:cTn>
+                                        <p:tgtEl>
+                                          <p:spTgt spid="16">
+                                            <p:txEl>
+                                              <p:pRg st="7" end="7"/>
+                                            </p:txEl>
+                                          </p:spTgt>
+                                        </p:tgtEl>
+                                        <p:attrNameLst>
+                                          <p:attrName>style.visibility</p:attrName>
+                                        </p:attrNameLst>
+                                      </p:cBhvr>
+                                      <p:to>
+                                        <p:strVal val="visible"/>
+                                      </p:to>
+                                    </p:set>
+                                    <p:animEffect transition="in" filter="barn(inVertical)">
+                                      <p:cBhvr>
+                                        <p:cTn id="37" dur="500"/>
+                                        <p:tgtEl>
+                                          <p:spTgt spid="16">
+                                            <p:txEl>
+                                              <p:pRg st="7" end="7"/>
+                                            </p:txEl>
+                                          </p:spTgt>
+                                        </p:tgtEl>
+                                      </p:cBhvr>
+                                    </p:animEffect>
+                                  </p:childTnLst>
+                                </p:cTn>
+                              </p:par>
+                            </p:childTnLst>
+                          </p:cTn>
+                        </p:par>
+                      </p:childTnLst>
+                    </p:cTn>
+                  </p:par>
+                  <p:par>
+                    <p:cTn id="38" fill="hold">
+                      <p:stCondLst>
+                        <p:cond delay="indefinite"/>
+                      </p:stCondLst>
+                      <p:childTnLst>
+                        <p:par>
+                          <p:cTn id="39" fill="hold">
+                            <p:stCondLst>
+                              <p:cond delay="0"/>
+                            </p:stCondLst>
+                            <p:childTnLst>
+                              <p:par>
+                                <p:cTn id="40" presetID="16" presetClass="entr" presetSubtype="21" fill="hold" grpId="0" nodeType="clickEffect">
+                                  <p:stCondLst>
+                                    <p:cond delay="0"/>
+                                  </p:stCondLst>
+                                  <p:childTnLst>
+                                    <p:set>
+                                      <p:cBhvr>
+                                        <p:cTn id="41" dur="1" fill="hold">
+                                          <p:stCondLst>
+                                            <p:cond delay="0"/>
+                                          </p:stCondLst>
+                                        </p:cTn>
+                                        <p:tgtEl>
+                                          <p:spTgt spid="16">
+                                            <p:txEl>
+                                              <p:pRg st="8" end="8"/>
+                                            </p:txEl>
+                                          </p:spTgt>
+                                        </p:tgtEl>
+                                        <p:attrNameLst>
+                                          <p:attrName>style.visibility</p:attrName>
+                                        </p:attrNameLst>
+                                      </p:cBhvr>
+                                      <p:to>
+                                        <p:strVal val="visible"/>
+                                      </p:to>
+                                    </p:set>
+                                    <p:animEffect transition="in" filter="barn(inVertical)">
+                                      <p:cBhvr>
+                                        <p:cTn id="42" dur="500"/>
+                                        <p:tgtEl>
+                                          <p:spTgt spid="16">
+                                            <p:txEl>
+                                              <p:pRg st="8" end="8"/>
+                                            </p:txEl>
+                                          </p:spTgt>
+                                        </p:tgtEl>
+                                      </p:cBhvr>
+                                    </p:animEffect>
+                                  </p:childTnLst>
+                                </p:cTn>
+                              </p:par>
+                            </p:childTnLst>
+                          </p:cTn>
+                        </p:par>
+                      </p:childTnLst>
+                    </p:cTn>
+                  </p:par>
+                </p:childTnLst>
+              </p:cTn>
+              <p:prevCondLst>
+                <p:cond evt="onPrev" delay="0">
+                  <p:tgtEl>
+                    <p:sldTgt/>
+                  </p:tgtEl>
+                </p:cond>
+              </p:prevCondLst>
+              <p:nextCondLst>
+                <p:cond evt="onNext" delay="0">
+                  <p:tgtEl>
+                    <p:sldTgt/>
+                  </p:tgtEl>
+                </p:cond>
+              </p:nextCondLst>
+            </p:seq>
+          </p:childTnLst>
+        </p:cTn>
+      </p:par>
+    </p:tnLst>
+    <p:bldLst>
+      <p:bldP spid="16" grpId="0" build="p"/>
+      <p:bldP spid="6" grpId="0"/>
+    </p:bldLst>
+  </p:timing>
 </p:sld>
 </file>
 
@@ -22369,7 +22904,7 @@
         </p:nvSpPr>
         <p:spPr>
           <a:xfrm>
-            <a:off x="3802062" y="2390090"/>
+            <a:off x="3664902" y="2470100"/>
             <a:ext cx="6589713" cy="1296085"/>
           </a:xfrm>
         </p:spPr>
@@ -22480,6 +23015,335 @@
   <p:clrMapOvr>
     <a:masterClrMapping/>
   </p:clrMapOvr>
+  <p:timing>
+    <p:tnLst>
+      <p:par>
+        <p:cTn id="1" dur="indefinite" restart="never" nodeType="tmRoot">
+          <p:childTnLst>
+            <p:seq concurrent="1" nextAc="seek">
+              <p:cTn id="2" dur="indefinite" nodeType="mainSeq">
+                <p:childTnLst>
+                  <p:par>
+                    <p:cTn id="3" fill="hold">
+                      <p:stCondLst>
+                        <p:cond delay="indefinite"/>
+                      </p:stCondLst>
+                      <p:childTnLst>
+                        <p:par>
+                          <p:cTn id="4" fill="hold">
+                            <p:stCondLst>
+                              <p:cond delay="0"/>
+                            </p:stCondLst>
+                            <p:childTnLst>
+                              <p:par>
+                                <p:cTn id="5" presetID="26" presetClass="entr" presetSubtype="0" fill="hold" grpId="0" nodeType="clickEffect">
+                                  <p:stCondLst>
+                                    <p:cond delay="0"/>
+                                  </p:stCondLst>
+                                  <p:childTnLst>
+                                    <p:set>
+                                      <p:cBhvr>
+                                        <p:cTn id="6" dur="1" fill="hold">
+                                          <p:stCondLst>
+                                            <p:cond delay="0"/>
+                                          </p:stCondLst>
+                                        </p:cTn>
+                                        <p:tgtEl>
+                                          <p:spTgt spid="2"/>
+                                        </p:tgtEl>
+                                        <p:attrNameLst>
+                                          <p:attrName>style.visibility</p:attrName>
+                                        </p:attrNameLst>
+                                      </p:cBhvr>
+                                      <p:to>
+                                        <p:strVal val="visible"/>
+                                      </p:to>
+                                    </p:set>
+                                    <p:animEffect transition="in" filter="wipe(down)">
+                                      <p:cBhvr>
+                                        <p:cTn id="7" dur="580">
+                                          <p:stCondLst>
+                                            <p:cond delay="0"/>
+                                          </p:stCondLst>
+                                        </p:cTn>
+                                        <p:tgtEl>
+                                          <p:spTgt spid="2"/>
+                                        </p:tgtEl>
+                                      </p:cBhvr>
+                                    </p:animEffect>
+                                    <p:anim calcmode="lin" valueType="num">
+                                      <p:cBhvr>
+                                        <p:cTn id="8" dur="1822" tmFilter="0,0; 0.14,0.36; 0.43,0.73; 0.71,0.91; 1.0,1.0">
+                                          <p:stCondLst>
+                                            <p:cond delay="0"/>
+                                          </p:stCondLst>
+                                        </p:cTn>
+                                        <p:tgtEl>
+                                          <p:spTgt spid="2"/>
+                                        </p:tgtEl>
+                                        <p:attrNameLst>
+                                          <p:attrName>ppt_x</p:attrName>
+                                        </p:attrNameLst>
+                                      </p:cBhvr>
+                                      <p:tavLst>
+                                        <p:tav tm="0">
+                                          <p:val>
+                                            <p:strVal val="#ppt_x-0.25"/>
+                                          </p:val>
+                                        </p:tav>
+                                        <p:tav tm="100000">
+                                          <p:val>
+                                            <p:strVal val="#ppt_x"/>
+                                          </p:val>
+                                        </p:tav>
+                                      </p:tavLst>
+                                    </p:anim>
+                                    <p:anim calcmode="lin" valueType="num">
+                                      <p:cBhvr>
+                                        <p:cTn id="9" dur="664" tmFilter="0.0,0.0; 0.25,0.07; 0.50,0.2; 0.75,0.467; 1.0,1.0">
+                                          <p:stCondLst>
+                                            <p:cond delay="0"/>
+                                          </p:stCondLst>
+                                        </p:cTn>
+                                        <p:tgtEl>
+                                          <p:spTgt spid="2"/>
+                                        </p:tgtEl>
+                                        <p:attrNameLst>
+                                          <p:attrName>ppt_y</p:attrName>
+                                        </p:attrNameLst>
+                                      </p:cBhvr>
+                                      <p:tavLst>
+                                        <p:tav tm="0" fmla="#ppt_y-sin(pi*$)/3">
+                                          <p:val>
+                                            <p:fltVal val="0.5"/>
+                                          </p:val>
+                                        </p:tav>
+                                        <p:tav tm="100000">
+                                          <p:val>
+                                            <p:fltVal val="1"/>
+                                          </p:val>
+                                        </p:tav>
+                                      </p:tavLst>
+                                    </p:anim>
+                                    <p:anim calcmode="lin" valueType="num">
+                                      <p:cBhvr>
+                                        <p:cTn id="10" dur="664" tmFilter="0, 0; 0.125,0.2665; 0.25,0.4; 0.375,0.465; 0.5,0.5;  0.625,0.535; 0.75,0.6; 0.875,0.7335; 1,1">
+                                          <p:stCondLst>
+                                            <p:cond delay="664"/>
+                                          </p:stCondLst>
+                                        </p:cTn>
+                                        <p:tgtEl>
+                                          <p:spTgt spid="2"/>
+                                        </p:tgtEl>
+                                        <p:attrNameLst>
+                                          <p:attrName>ppt_y</p:attrName>
+                                        </p:attrNameLst>
+                                      </p:cBhvr>
+                                      <p:tavLst>
+                                        <p:tav tm="0" fmla="#ppt_y-sin(pi*$)/9">
+                                          <p:val>
+                                            <p:fltVal val="0"/>
+                                          </p:val>
+                                        </p:tav>
+                                        <p:tav tm="100000">
+                                          <p:val>
+                                            <p:fltVal val="1"/>
+                                          </p:val>
+                                        </p:tav>
+                                      </p:tavLst>
+                                    </p:anim>
+                                    <p:anim calcmode="lin" valueType="num">
+                                      <p:cBhvr>
+                                        <p:cTn id="11" dur="332" tmFilter="0, 0; 0.125,0.2665; 0.25,0.4; 0.375,0.465; 0.5,0.5;  0.625,0.535; 0.75,0.6; 0.875,0.7335; 1,1">
+                                          <p:stCondLst>
+                                            <p:cond delay="1324"/>
+                                          </p:stCondLst>
+                                        </p:cTn>
+                                        <p:tgtEl>
+                                          <p:spTgt spid="2"/>
+                                        </p:tgtEl>
+                                        <p:attrNameLst>
+                                          <p:attrName>ppt_y</p:attrName>
+                                        </p:attrNameLst>
+                                      </p:cBhvr>
+                                      <p:tavLst>
+                                        <p:tav tm="0" fmla="#ppt_y-sin(pi*$)/27">
+                                          <p:val>
+                                            <p:fltVal val="0"/>
+                                          </p:val>
+                                        </p:tav>
+                                        <p:tav tm="100000">
+                                          <p:val>
+                                            <p:fltVal val="1"/>
+                                          </p:val>
+                                        </p:tav>
+                                      </p:tavLst>
+                                    </p:anim>
+                                    <p:anim calcmode="lin" valueType="num">
+                                      <p:cBhvr>
+                                        <p:cTn id="12" dur="164" tmFilter="0, 0; 0.125,0.2665; 0.25,0.4; 0.375,0.465; 0.5,0.5;  0.625,0.535; 0.75,0.6; 0.875,0.7335; 1,1">
+                                          <p:stCondLst>
+                                            <p:cond delay="1656"/>
+                                          </p:stCondLst>
+                                        </p:cTn>
+                                        <p:tgtEl>
+                                          <p:spTgt spid="2"/>
+                                        </p:tgtEl>
+                                        <p:attrNameLst>
+                                          <p:attrName>ppt_y</p:attrName>
+                                        </p:attrNameLst>
+                                      </p:cBhvr>
+                                      <p:tavLst>
+                                        <p:tav tm="0" fmla="#ppt_y-sin(pi*$)/81">
+                                          <p:val>
+                                            <p:fltVal val="0"/>
+                                          </p:val>
+                                        </p:tav>
+                                        <p:tav tm="100000">
+                                          <p:val>
+                                            <p:fltVal val="1"/>
+                                          </p:val>
+                                        </p:tav>
+                                      </p:tavLst>
+                                    </p:anim>
+                                    <p:animScale>
+                                      <p:cBhvr>
+                                        <p:cTn id="13" dur="26">
+                                          <p:stCondLst>
+                                            <p:cond delay="650"/>
+                                          </p:stCondLst>
+                                        </p:cTn>
+                                        <p:tgtEl>
+                                          <p:spTgt spid="2"/>
+                                        </p:tgtEl>
+                                      </p:cBhvr>
+                                      <p:to x="100000" y="60000"/>
+                                    </p:animScale>
+                                    <p:animScale>
+                                      <p:cBhvr>
+                                        <p:cTn id="14" dur="166" decel="50000">
+                                          <p:stCondLst>
+                                            <p:cond delay="676"/>
+                                          </p:stCondLst>
+                                        </p:cTn>
+                                        <p:tgtEl>
+                                          <p:spTgt spid="2"/>
+                                        </p:tgtEl>
+                                      </p:cBhvr>
+                                      <p:to x="100000" y="100000"/>
+                                    </p:animScale>
+                                    <p:animScale>
+                                      <p:cBhvr>
+                                        <p:cTn id="15" dur="26">
+                                          <p:stCondLst>
+                                            <p:cond delay="1312"/>
+                                          </p:stCondLst>
+                                        </p:cTn>
+                                        <p:tgtEl>
+                                          <p:spTgt spid="2"/>
+                                        </p:tgtEl>
+                                      </p:cBhvr>
+                                      <p:to x="100000" y="80000"/>
+                                    </p:animScale>
+                                    <p:animScale>
+                                      <p:cBhvr>
+                                        <p:cTn id="16" dur="166" decel="50000">
+                                          <p:stCondLst>
+                                            <p:cond delay="1338"/>
+                                          </p:stCondLst>
+                                        </p:cTn>
+                                        <p:tgtEl>
+                                          <p:spTgt spid="2"/>
+                                        </p:tgtEl>
+                                      </p:cBhvr>
+                                      <p:to x="100000" y="100000"/>
+                                    </p:animScale>
+                                    <p:animScale>
+                                      <p:cBhvr>
+                                        <p:cTn id="17" dur="26">
+                                          <p:stCondLst>
+                                            <p:cond delay="1642"/>
+                                          </p:stCondLst>
+                                        </p:cTn>
+                                        <p:tgtEl>
+                                          <p:spTgt spid="2"/>
+                                        </p:tgtEl>
+                                      </p:cBhvr>
+                                      <p:to x="100000" y="90000"/>
+                                    </p:animScale>
+                                    <p:animScale>
+                                      <p:cBhvr>
+                                        <p:cTn id="18" dur="166" decel="50000">
+                                          <p:stCondLst>
+                                            <p:cond delay="1668"/>
+                                          </p:stCondLst>
+                                        </p:cTn>
+                                        <p:tgtEl>
+                                          <p:spTgt spid="2"/>
+                                        </p:tgtEl>
+                                      </p:cBhvr>
+                                      <p:to x="100000" y="100000"/>
+                                    </p:animScale>
+                                    <p:animScale>
+                                      <p:cBhvr>
+                                        <p:cTn id="19" dur="26">
+                                          <p:stCondLst>
+                                            <p:cond delay="1808"/>
+                                          </p:stCondLst>
+                                        </p:cTn>
+                                        <p:tgtEl>
+                                          <p:spTgt spid="2"/>
+                                        </p:tgtEl>
+                                      </p:cBhvr>
+                                      <p:to x="100000" y="95000"/>
+                                    </p:animScale>
+                                    <p:animScale>
+                                      <p:cBhvr>
+                                        <p:cTn id="20" dur="166" decel="50000">
+                                          <p:stCondLst>
+                                            <p:cond delay="1834"/>
+                                          </p:stCondLst>
+                                        </p:cTn>
+                                        <p:tgtEl>
+                                          <p:spTgt spid="2"/>
+                                        </p:tgtEl>
+                                      </p:cBhvr>
+                                      <p:to x="100000" y="100000"/>
+                                    </p:animScale>
+                                  </p:childTnLst>
+                                </p:cTn>
+                              </p:par>
+                            </p:childTnLst>
+                          </p:cTn>
+                        </p:par>
+                      </p:childTnLst>
+                    </p:cTn>
+                  </p:par>
+                </p:childTnLst>
+              </p:cTn>
+              <p:prevCondLst>
+                <p:cond evt="onPrev" delay="0">
+                  <p:tgtEl>
+                    <p:sldTgt/>
+                  </p:tgtEl>
+                </p:cond>
+              </p:prevCondLst>
+              <p:nextCondLst>
+                <p:cond evt="onNext" delay="0">
+                  <p:tgtEl>
+                    <p:sldTgt/>
+                  </p:tgtEl>
+                </p:cond>
+              </p:nextCondLst>
+            </p:seq>
+          </p:childTnLst>
+        </p:cTn>
+      </p:par>
+    </p:tnLst>
+    <p:bldLst>
+      <p:bldP spid="2" grpId="0"/>
+    </p:bldLst>
+  </p:timing>
 </p:sld>
 </file>
 
@@ -22544,7 +23408,7 @@
             <p:ph idx="1"/>
             <p:extLst>
               <p:ext uri="{D42A27DB-BD31-4B8C-83A1-F6EECF244321}">
-                <p14:modId xmlns:p14="http://schemas.microsoft.com/office/powerpoint/2010/main" val="3235688971"/>
+                <p14:modId xmlns:p14="http://schemas.microsoft.com/office/powerpoint/2010/main" val="2323019576"/>
               </p:ext>
             </p:extLst>
           </p:nvPr>
@@ -22582,7 +23446,10 @@
                     <a:lstStyle/>
                     <a:p>
                       <a:pPr algn="ctr"/>
-                      <a:endParaRPr lang="en-US" dirty="0"/>
+                      <a:r>
+                        <a:rPr lang="en-US" dirty="0"/>
+                        <a:t>Category</a:t>
+                      </a:r>
                     </a:p>
                   </a:txBody>
                   <a:tcPr anchor="ctr">
@@ -27202,6 +28069,25 @@
 </file>
 
 <file path=customXml/item2.xml><?xml version="1.0" encoding="utf-8"?>
+<p:properties xmlns:p="http://schemas.microsoft.com/office/2006/metadata/properties" xmlns:xsi="http://www.w3.org/2001/XMLSchema-instance" xmlns:pc="http://schemas.microsoft.com/office/infopath/2007/PartnerControls">
+  <documentManagement>
+    <_ip_UnifiedCompliancePolicyUIAction xmlns="http://schemas.microsoft.com/sharepoint/v3" xsi:nil="true"/>
+    <Image xmlns="71af3243-3dd4-4a8d-8c0d-dd76da1f02a5">
+      <Url xsi:nil="true"/>
+      <Description xsi:nil="true"/>
+    </Image>
+    <Status xmlns="71af3243-3dd4-4a8d-8c0d-dd76da1f02a5">Not started</Status>
+    <_ip_UnifiedCompliancePolicyProperties xmlns="http://schemas.microsoft.com/sharepoint/v3" xsi:nil="true"/>
+    <lcf76f155ced4ddcb4097134ff3c332f xmlns="71af3243-3dd4-4a8d-8c0d-dd76da1f02a5">
+      <Terms xmlns="http://schemas.microsoft.com/office/infopath/2007/PartnerControls"/>
+    </lcf76f155ced4ddcb4097134ff3c332f>
+    <TaxCatchAll xmlns="230e9df3-be65-4c73-a93b-d1236ebd677e"/>
+    <MediaServiceKeyPoints xmlns="71af3243-3dd4-4a8d-8c0d-dd76da1f02a5" xsi:nil="true"/>
+  </documentManagement>
+</p:properties>
+</file>
+
+<file path=customXml/item3.xml><?xml version="1.0" encoding="utf-8"?>
 <ct:contentTypeSchema xmlns:ct="http://schemas.microsoft.com/office/2006/metadata/contentType" xmlns:ma="http://schemas.microsoft.com/office/2006/metadata/properties/metaAttributes" ct:_="" ma:_="" ma:contentTypeName="Document" ma:contentTypeID="0x01010079F111ED35F8CC479449609E8A0923A6" ma:contentTypeVersion="18" ma:contentTypeDescription="Create a new document." ma:contentTypeScope="" ma:versionID="22a266b9fa9a230c5a512669d8b298c3">
   <xsd:schema xmlns:xsd="http://www.w3.org/2001/XMLSchema" xmlns:xs="http://www.w3.org/2001/XMLSchema" xmlns:p="http://schemas.microsoft.com/office/2006/metadata/properties" xmlns:ns1="http://schemas.microsoft.com/sharepoint/v3" xmlns:ns2="71af3243-3dd4-4a8d-8c0d-dd76da1f02a5" xmlns:ns3="16c05727-aa75-4e4a-9b5f-8a80a1165891" xmlns:ns4="230e9df3-be65-4c73-a93b-d1236ebd677e" targetNamespace="http://schemas.microsoft.com/office/2006/metadata/properties" ma:root="true" ma:fieldsID="eddc33fff6b14141ee5c74a0d29ea6a1" ns1:_="" ns2:_="" ns3:_="" ns4:_="">
     <xsd:import namespace="http://schemas.microsoft.com/sharepoint/v3"/>
@@ -27477,25 +28363,6 @@
 </ct:contentTypeSchema>
 </file>
 
-<file path=customXml/item3.xml><?xml version="1.0" encoding="utf-8"?>
-<p:properties xmlns:p="http://schemas.microsoft.com/office/2006/metadata/properties" xmlns:xsi="http://www.w3.org/2001/XMLSchema-instance" xmlns:pc="http://schemas.microsoft.com/office/infopath/2007/PartnerControls">
-  <documentManagement>
-    <_ip_UnifiedCompliancePolicyUIAction xmlns="http://schemas.microsoft.com/sharepoint/v3" xsi:nil="true"/>
-    <Image xmlns="71af3243-3dd4-4a8d-8c0d-dd76da1f02a5">
-      <Url xsi:nil="true"/>
-      <Description xsi:nil="true"/>
-    </Image>
-    <Status xmlns="71af3243-3dd4-4a8d-8c0d-dd76da1f02a5">Not started</Status>
-    <_ip_UnifiedCompliancePolicyProperties xmlns="http://schemas.microsoft.com/sharepoint/v3" xsi:nil="true"/>
-    <lcf76f155ced4ddcb4097134ff3c332f xmlns="71af3243-3dd4-4a8d-8c0d-dd76da1f02a5">
-      <Terms xmlns="http://schemas.microsoft.com/office/infopath/2007/PartnerControls"/>
-    </lcf76f155ced4ddcb4097134ff3c332f>
-    <TaxCatchAll xmlns="230e9df3-be65-4c73-a93b-d1236ebd677e"/>
-    <MediaServiceKeyPoints xmlns="71af3243-3dd4-4a8d-8c0d-dd76da1f02a5" xsi:nil="true"/>
-  </documentManagement>
-</p:properties>
-</file>
-
 <file path=customXml/itemProps1.xml><?xml version="1.0" encoding="utf-8"?>
 <ds:datastoreItem xmlns:ds="http://schemas.openxmlformats.org/officeDocument/2006/customXml" ds:itemID="{904751AB-E840-446F-8D49-E697067EC887}">
   <ds:schemaRefs>
@@ -27505,6 +28372,25 @@
 </file>
 
 <file path=customXml/itemProps2.xml><?xml version="1.0" encoding="utf-8"?>
+<ds:datastoreItem xmlns:ds="http://schemas.openxmlformats.org/officeDocument/2006/customXml" ds:itemID="{50811A92-D464-4AC4-A396-BA73B10CEEAC}">
+  <ds:schemaRefs>
+    <ds:schemaRef ds:uri="http://purl.org/dc/elements/1.1/"/>
+    <ds:schemaRef ds:uri="http://www.w3.org/XML/1998/namespace"/>
+    <ds:schemaRef ds:uri="http://schemas.microsoft.com/sharepoint/v3"/>
+    <ds:schemaRef ds:uri="http://schemas.microsoft.com/office/infopath/2007/PartnerControls"/>
+    <ds:schemaRef ds:uri="http://purl.org/dc/dcmitype/"/>
+    <ds:schemaRef ds:uri="71af3243-3dd4-4a8d-8c0d-dd76da1f02a5"/>
+    <ds:schemaRef ds:uri="http://schemas.openxmlformats.org/package/2006/metadata/core-properties"/>
+    <ds:schemaRef ds:uri="http://schemas.microsoft.com/office/2006/documentManagement/types"/>
+    <ds:schemaRef ds:uri="http://purl.org/dc/terms/"/>
+    <ds:schemaRef ds:uri="230e9df3-be65-4c73-a93b-d1236ebd677e"/>
+    <ds:schemaRef ds:uri="16c05727-aa75-4e4a-9b5f-8a80a1165891"/>
+    <ds:schemaRef ds:uri="http://schemas.microsoft.com/office/2006/metadata/properties"/>
+  </ds:schemaRefs>
+</ds:datastoreItem>
+</file>
+
+<file path=customXml/itemProps3.xml><?xml version="1.0" encoding="utf-8"?>
 <ds:datastoreItem xmlns:ds="http://schemas.openxmlformats.org/officeDocument/2006/customXml" ds:itemID="{DE4876F9-7AE1-498D-B8FE-1E3AD703D2AF}">
   <ds:schemaRefs>
     <ds:schemaRef ds:uri="http://schemas.microsoft.com/office/2006/metadata/contentType"/>
@@ -27525,25 +28411,6 @@
 </ds:datastoreItem>
 </file>
 
-<file path=customXml/itemProps3.xml><?xml version="1.0" encoding="utf-8"?>
-<ds:datastoreItem xmlns:ds="http://schemas.openxmlformats.org/officeDocument/2006/customXml" ds:itemID="{50811A92-D464-4AC4-A396-BA73B10CEEAC}">
-  <ds:schemaRefs>
-    <ds:schemaRef ds:uri="http://purl.org/dc/elements/1.1/"/>
-    <ds:schemaRef ds:uri="http://www.w3.org/XML/1998/namespace"/>
-    <ds:schemaRef ds:uri="http://schemas.microsoft.com/sharepoint/v3"/>
-    <ds:schemaRef ds:uri="http://schemas.microsoft.com/office/infopath/2007/PartnerControls"/>
-    <ds:schemaRef ds:uri="http://purl.org/dc/dcmitype/"/>
-    <ds:schemaRef ds:uri="71af3243-3dd4-4a8d-8c0d-dd76da1f02a5"/>
-    <ds:schemaRef ds:uri="http://schemas.openxmlformats.org/package/2006/metadata/core-properties"/>
-    <ds:schemaRef ds:uri="http://schemas.microsoft.com/office/2006/documentManagement/types"/>
-    <ds:schemaRef ds:uri="http://purl.org/dc/terms/"/>
-    <ds:schemaRef ds:uri="230e9df3-be65-4c73-a93b-d1236ebd677e"/>
-    <ds:schemaRef ds:uri="16c05727-aa75-4e4a-9b5f-8a80a1165891"/>
-    <ds:schemaRef ds:uri="http://schemas.microsoft.com/office/2006/metadata/properties"/>
-  </ds:schemaRefs>
-</ds:datastoreItem>
-</file>
-
 <file path=docMetadata/LabelInfo.xml><?xml version="1.0" encoding="utf-8"?>
 <clbl:labelList xmlns:clbl="http://schemas.microsoft.com/office/2020/mipLabelMetadata">
   <clbl:label id="{f42aa342-8706-4288-bd11-ebb85995028c}" enabled="1" method="Standard" siteId="{72f988bf-86f1-41af-91ab-2d7cd011db47}" contentBits="0" removed="0"/>

--- a/Beer_Present_Final.pptx
+++ b/Beer_Present_Final.pptx
@@ -5,24 +5,25 @@
     <p:sldMasterId id="2147483684" r:id="rId4"/>
   </p:sldMasterIdLst>
   <p:notesMasterIdLst>
-    <p:notesMasterId r:id="rId17"/>
+    <p:notesMasterId r:id="rId18"/>
   </p:notesMasterIdLst>
   <p:handoutMasterIdLst>
-    <p:handoutMasterId r:id="rId18"/>
+    <p:handoutMasterId r:id="rId19"/>
   </p:handoutMasterIdLst>
   <p:sldIdLst>
     <p:sldId id="257" r:id="rId5"/>
-    <p:sldId id="384" r:id="rId6"/>
-    <p:sldId id="317" r:id="rId7"/>
-    <p:sldId id="393" r:id="rId8"/>
-    <p:sldId id="392" r:id="rId9"/>
-    <p:sldId id="396" r:id="rId10"/>
-    <p:sldId id="278" r:id="rId11"/>
-    <p:sldId id="279" r:id="rId12"/>
-    <p:sldId id="394" r:id="rId13"/>
-    <p:sldId id="268" r:id="rId14"/>
-    <p:sldId id="395" r:id="rId15"/>
-    <p:sldId id="321" r:id="rId16"/>
+    <p:sldId id="397" r:id="rId6"/>
+    <p:sldId id="384" r:id="rId7"/>
+    <p:sldId id="317" r:id="rId8"/>
+    <p:sldId id="393" r:id="rId9"/>
+    <p:sldId id="392" r:id="rId10"/>
+    <p:sldId id="396" r:id="rId11"/>
+    <p:sldId id="278" r:id="rId12"/>
+    <p:sldId id="279" r:id="rId13"/>
+    <p:sldId id="394" r:id="rId14"/>
+    <p:sldId id="268" r:id="rId15"/>
+    <p:sldId id="395" r:id="rId16"/>
+    <p:sldId id="321" r:id="rId17"/>
   </p:sldIdLst>
   <p:sldSz cx="12192000" cy="6858000"/>
   <p:notesSz cx="6858000" cy="9144000"/>
@@ -830,7 +831,7 @@
           <a:p>
             <a:fld id="{1983A999-5E0E-42CA-8400-604AE921FF7C}" type="slidenum">
               <a:rPr lang="en-US" smtClean="0"/>
-              <a:t>2</a:t>
+              <a:t>3</a:t>
             </a:fld>
             <a:endParaRPr lang="en-US"/>
           </a:p>
@@ -914,7 +915,7 @@
           <a:p>
             <a:fld id="{1983A999-5E0E-42CA-8400-604AE921FF7C}" type="slidenum">
               <a:rPr lang="en-US" smtClean="0"/>
-              <a:t>3</a:t>
+              <a:t>4</a:t>
             </a:fld>
             <a:endParaRPr lang="en-US"/>
           </a:p>
@@ -998,7 +999,7 @@
           <a:p>
             <a:fld id="{1983A999-5E0E-42CA-8400-604AE921FF7C}" type="slidenum">
               <a:rPr lang="en-US" smtClean="0"/>
-              <a:t>4</a:t>
+              <a:t>5</a:t>
             </a:fld>
             <a:endParaRPr lang="en-US"/>
           </a:p>
@@ -1082,7 +1083,7 @@
           <a:p>
             <a:fld id="{1983A999-5E0E-42CA-8400-604AE921FF7C}" type="slidenum">
               <a:rPr lang="en-US" smtClean="0"/>
-              <a:t>10</a:t>
+              <a:t>11</a:t>
             </a:fld>
             <a:endParaRPr lang="en-US"/>
           </a:p>
@@ -1166,7 +1167,7 @@
           <a:p>
             <a:fld id="{E7CCE34D-CFF1-4FFE-815B-D050E7ED2DFD}" type="slidenum">
               <a:rPr lang="en-US" smtClean="0"/>
-              <a:t>11</a:t>
+              <a:t>12</a:t>
             </a:fld>
             <a:endParaRPr lang="en-US"/>
           </a:p>
@@ -1293,7 +1294,7 @@
           <a:p>
             <a:fld id="{1983A999-5E0E-42CA-8400-604AE921FF7C}" type="slidenum">
               <a:rPr lang="en-US" smtClean="0"/>
-              <a:t>12</a:t>
+              <a:t>13</a:t>
             </a:fld>
             <a:endParaRPr lang="en-US"/>
           </a:p>
@@ -13489,6 +13490,1307 @@
       </p:grpSpPr>
       <p:sp>
         <p:nvSpPr>
+          <p:cNvPr id="10" name="Title 9">
+            <a:extLst>
+              <a:ext uri="{FF2B5EF4-FFF2-40B4-BE49-F238E27FC236}">
+                <a16:creationId xmlns:a16="http://schemas.microsoft.com/office/drawing/2014/main" id="{11141A23-3245-413B-A849-2D9D2E484676}"/>
+              </a:ext>
+            </a:extLst>
+          </p:cNvPr>
+          <p:cNvSpPr>
+            <a:spLocks noGrp="1"/>
+          </p:cNvSpPr>
+          <p:nvPr>
+            <p:ph type="title"/>
+          </p:nvPr>
+        </p:nvSpPr>
+        <p:spPr/>
+        <p:txBody>
+          <a:bodyPr/>
+          <a:lstStyle/>
+          <a:p>
+            <a:r>
+              <a:rPr lang="en-US" dirty="0"/>
+              <a:t>Results</a:t>
+            </a:r>
+          </a:p>
+        </p:txBody>
+      </p:sp>
+      <p:sp>
+        <p:nvSpPr>
+          <p:cNvPr id="11" name="Text Placeholder 10">
+            <a:extLst>
+              <a:ext uri="{FF2B5EF4-FFF2-40B4-BE49-F238E27FC236}">
+                <a16:creationId xmlns:a16="http://schemas.microsoft.com/office/drawing/2014/main" id="{C252BADD-8097-43DD-9FB7-8BDFCF1A56DE}"/>
+              </a:ext>
+            </a:extLst>
+          </p:cNvPr>
+          <p:cNvSpPr>
+            <a:spLocks noGrp="1"/>
+          </p:cNvSpPr>
+          <p:nvPr>
+            <p:ph type="body" idx="1"/>
+          </p:nvPr>
+        </p:nvSpPr>
+        <p:spPr>
+          <a:xfrm>
+            <a:off x="550859" y="1215275"/>
+            <a:ext cx="5437186" cy="535354"/>
+          </a:xfrm>
+        </p:spPr>
+        <p:txBody>
+          <a:bodyPr/>
+          <a:lstStyle/>
+          <a:p>
+            <a:r>
+              <a:rPr lang="en-US" dirty="0"/>
+              <a:t>Two Dimensional</a:t>
+            </a:r>
+          </a:p>
+        </p:txBody>
+      </p:sp>
+      <p:pic>
+        <p:nvPicPr>
+          <p:cNvPr id="30" name="Content Placeholder 29" descr="Chart, scatter chart&#10;&#10;Description automatically generated">
+            <a:extLst>
+              <a:ext uri="{FF2B5EF4-FFF2-40B4-BE49-F238E27FC236}">
+                <a16:creationId xmlns:a16="http://schemas.microsoft.com/office/drawing/2014/main" id="{B5AE11C4-2F61-4B1A-AB66-3025FDE7F60A}"/>
+              </a:ext>
+            </a:extLst>
+          </p:cNvPr>
+          <p:cNvPicPr>
+            <a:picLocks noGrp="1" noChangeAspect="1"/>
+          </p:cNvPicPr>
+          <p:nvPr>
+            <p:ph sz="half" idx="2"/>
+          </p:nvPr>
+        </p:nvPicPr>
+        <p:blipFill>
+          <a:blip r:embed="rId2"/>
+          <a:stretch>
+            <a:fillRect/>
+          </a:stretch>
+        </p:blipFill>
+        <p:spPr>
+          <a:xfrm>
+            <a:off x="569900" y="2427288"/>
+            <a:ext cx="5391176" cy="3516312"/>
+          </a:xfrm>
+        </p:spPr>
+      </p:pic>
+      <p:sp>
+        <p:nvSpPr>
+          <p:cNvPr id="13" name="Text Placeholder 12">
+            <a:extLst>
+              <a:ext uri="{FF2B5EF4-FFF2-40B4-BE49-F238E27FC236}">
+                <a16:creationId xmlns:a16="http://schemas.microsoft.com/office/drawing/2014/main" id="{0859A9BC-4D8F-488D-AF3A-8FF9C6DE9123}"/>
+              </a:ext>
+            </a:extLst>
+          </p:cNvPr>
+          <p:cNvSpPr>
+            <a:spLocks noGrp="1"/>
+          </p:cNvSpPr>
+          <p:nvPr>
+            <p:ph type="body" sz="quarter" idx="3"/>
+          </p:nvPr>
+        </p:nvSpPr>
+        <p:spPr>
+          <a:xfrm>
+            <a:off x="6212024" y="1862489"/>
+            <a:ext cx="5436392" cy="404239"/>
+          </a:xfrm>
+        </p:spPr>
+        <p:txBody>
+          <a:bodyPr/>
+          <a:lstStyle/>
+          <a:p>
+            <a:r>
+              <a:rPr lang="en-US" dirty="0"/>
+              <a:t>Cosine distance = 0.2235</a:t>
+            </a:r>
+          </a:p>
+        </p:txBody>
+      </p:sp>
+      <p:pic>
+        <p:nvPicPr>
+          <p:cNvPr id="32" name="Content Placeholder 31" descr="Chart, scatter chart&#10;&#10;Description automatically generated">
+            <a:extLst>
+              <a:ext uri="{FF2B5EF4-FFF2-40B4-BE49-F238E27FC236}">
+                <a16:creationId xmlns:a16="http://schemas.microsoft.com/office/drawing/2014/main" id="{45712531-E93C-4F74-B5D7-6D877DC0E158}"/>
+              </a:ext>
+            </a:extLst>
+          </p:cNvPr>
+          <p:cNvPicPr>
+            <a:picLocks noGrp="1" noChangeAspect="1"/>
+          </p:cNvPicPr>
+          <p:nvPr>
+            <p:ph sz="quarter" idx="4"/>
+          </p:nvPr>
+        </p:nvPicPr>
+        <p:blipFill>
+          <a:blip r:embed="rId3"/>
+          <a:stretch>
+            <a:fillRect/>
+          </a:stretch>
+        </p:blipFill>
+        <p:spPr>
+          <a:xfrm>
+            <a:off x="6212024" y="2426695"/>
+            <a:ext cx="4997835" cy="3516312"/>
+          </a:xfrm>
+        </p:spPr>
+      </p:pic>
+      <p:sp>
+        <p:nvSpPr>
+          <p:cNvPr id="7" name="Date Placeholder 6">
+            <a:extLst>
+              <a:ext uri="{FF2B5EF4-FFF2-40B4-BE49-F238E27FC236}">
+                <a16:creationId xmlns:a16="http://schemas.microsoft.com/office/drawing/2014/main" id="{6C9769B6-7D27-4AAD-B7F1-024D10E1C336}"/>
+              </a:ext>
+            </a:extLst>
+          </p:cNvPr>
+          <p:cNvSpPr>
+            <a:spLocks noGrp="1"/>
+          </p:cNvSpPr>
+          <p:nvPr>
+            <p:ph type="dt" sz="half" idx="10"/>
+          </p:nvPr>
+        </p:nvSpPr>
+        <p:spPr/>
+        <p:txBody>
+          <a:bodyPr/>
+          <a:lstStyle/>
+          <a:p>
+            <a:r>
+              <a:rPr lang="en-US"/>
+              <a:t>Wednesday March 17, 2021</a:t>
+            </a:r>
+          </a:p>
+        </p:txBody>
+      </p:sp>
+      <p:sp>
+        <p:nvSpPr>
+          <p:cNvPr id="8" name="Footer Placeholder 7">
+            <a:extLst>
+              <a:ext uri="{FF2B5EF4-FFF2-40B4-BE49-F238E27FC236}">
+                <a16:creationId xmlns:a16="http://schemas.microsoft.com/office/drawing/2014/main" id="{C7026285-04C5-4037-8761-F916E119F47E}"/>
+              </a:ext>
+            </a:extLst>
+          </p:cNvPr>
+          <p:cNvSpPr>
+            <a:spLocks noGrp="1"/>
+          </p:cNvSpPr>
+          <p:nvPr>
+            <p:ph type="ftr" sz="quarter" idx="11"/>
+          </p:nvPr>
+        </p:nvSpPr>
+        <p:spPr/>
+        <p:txBody>
+          <a:bodyPr/>
+          <a:lstStyle/>
+          <a:p>
+            <a:r>
+              <a:rPr lang="en-US"/>
+              <a:t>https://github.com/jenmusdat/BeerMachineLearning</a:t>
+            </a:r>
+          </a:p>
+        </p:txBody>
+      </p:sp>
+      <p:sp>
+        <p:nvSpPr>
+          <p:cNvPr id="9" name="Slide Number Placeholder 8">
+            <a:extLst>
+              <a:ext uri="{FF2B5EF4-FFF2-40B4-BE49-F238E27FC236}">
+                <a16:creationId xmlns:a16="http://schemas.microsoft.com/office/drawing/2014/main" id="{6CDFEF72-70D2-4584-82FF-A79B4781D983}"/>
+              </a:ext>
+            </a:extLst>
+          </p:cNvPr>
+          <p:cNvSpPr>
+            <a:spLocks noGrp="1"/>
+          </p:cNvSpPr>
+          <p:nvPr>
+            <p:ph type="sldNum" sz="quarter" idx="12"/>
+          </p:nvPr>
+        </p:nvSpPr>
+        <p:spPr/>
+        <p:txBody>
+          <a:bodyPr/>
+          <a:lstStyle/>
+          <a:p>
+            <a:fld id="{DBA1B0FB-D917-4C8C-928F-313BD683BF39}" type="slidenum">
+              <a:rPr lang="en-US" smtClean="0"/>
+              <a:t>10</a:t>
+            </a:fld>
+            <a:endParaRPr lang="en-US"/>
+          </a:p>
+        </p:txBody>
+      </p:sp>
+      <p:sp>
+        <p:nvSpPr>
+          <p:cNvPr id="15" name="Text Placeholder 10">
+            <a:extLst>
+              <a:ext uri="{FF2B5EF4-FFF2-40B4-BE49-F238E27FC236}">
+                <a16:creationId xmlns:a16="http://schemas.microsoft.com/office/drawing/2014/main" id="{8151D13B-337F-464B-87F0-8EA3C048DF27}"/>
+              </a:ext>
+            </a:extLst>
+          </p:cNvPr>
+          <p:cNvSpPr txBox="1">
+            <a:spLocks/>
+          </p:cNvSpPr>
+          <p:nvPr/>
+        </p:nvSpPr>
+        <p:spPr>
+          <a:xfrm>
+            <a:off x="542791" y="1731375"/>
+            <a:ext cx="5437186" cy="535354"/>
+          </a:xfrm>
+          <a:prstGeom prst="rect">
+            <a:avLst/>
+          </a:prstGeom>
+        </p:spPr>
+        <p:txBody>
+          <a:bodyPr vert="horz" wrap="square" lIns="0" tIns="0" rIns="0" bIns="0" rtlCol="0" anchor="b">
+            <a:noAutofit/>
+          </a:bodyPr>
+          <a:lstStyle>
+            <a:lvl1pPr marL="0" indent="0" algn="l" defTabSz="914400" rtl="0" eaLnBrk="1" latinLnBrk="0" hangingPunct="1">
+              <a:lnSpc>
+                <a:spcPct val="110000"/>
+              </a:lnSpc>
+              <a:spcBef>
+                <a:spcPts val="1000"/>
+              </a:spcBef>
+              <a:spcAft>
+                <a:spcPts val="800"/>
+              </a:spcAft>
+              <a:buFont typeface="Arial" panose="020B0604020202020204" pitchFamily="34" charset="0"/>
+              <a:buNone/>
+              <a:defRPr sz="1400" b="0" kern="1200" cap="all" spc="200" baseline="0">
+                <a:solidFill>
+                  <a:schemeClr val="tx1"/>
+                </a:solidFill>
+                <a:latin typeface="+mn-lt"/>
+                <a:ea typeface="+mn-ea"/>
+                <a:cs typeface="+mn-cs"/>
+              </a:defRPr>
+            </a:lvl1pPr>
+            <a:lvl2pPr marL="457200" indent="0" algn="l" defTabSz="914400" rtl="0" eaLnBrk="1" latinLnBrk="0" hangingPunct="1">
+              <a:lnSpc>
+                <a:spcPct val="110000"/>
+              </a:lnSpc>
+              <a:spcBef>
+                <a:spcPts val="500"/>
+              </a:spcBef>
+              <a:spcAft>
+                <a:spcPts val="800"/>
+              </a:spcAft>
+              <a:buFont typeface="Arial" panose="020B0604020202020204" pitchFamily="34" charset="0"/>
+              <a:buNone/>
+              <a:defRPr sz="2000" b="1" kern="1200">
+                <a:solidFill>
+                  <a:schemeClr val="tx1">
+                    <a:alpha val="60000"/>
+                  </a:schemeClr>
+                </a:solidFill>
+                <a:latin typeface="+mn-lt"/>
+                <a:ea typeface="+mn-ea"/>
+                <a:cs typeface="+mn-cs"/>
+              </a:defRPr>
+            </a:lvl2pPr>
+            <a:lvl3pPr marL="914400" indent="0" algn="l" defTabSz="914400" rtl="0" eaLnBrk="1" latinLnBrk="0" hangingPunct="1">
+              <a:lnSpc>
+                <a:spcPct val="110000"/>
+              </a:lnSpc>
+              <a:spcBef>
+                <a:spcPts val="500"/>
+              </a:spcBef>
+              <a:spcAft>
+                <a:spcPts val="800"/>
+              </a:spcAft>
+              <a:buFont typeface="Arial" panose="020B0604020202020204" pitchFamily="34" charset="0"/>
+              <a:buNone/>
+              <a:defRPr sz="1800" b="1" kern="1200">
+                <a:solidFill>
+                  <a:schemeClr val="tx1">
+                    <a:alpha val="60000"/>
+                  </a:schemeClr>
+                </a:solidFill>
+                <a:latin typeface="+mn-lt"/>
+                <a:ea typeface="+mn-ea"/>
+                <a:cs typeface="+mn-cs"/>
+              </a:defRPr>
+            </a:lvl3pPr>
+            <a:lvl4pPr marL="1371600" indent="0" algn="l" defTabSz="914400" rtl="0" eaLnBrk="1" latinLnBrk="0" hangingPunct="1">
+              <a:lnSpc>
+                <a:spcPct val="110000"/>
+              </a:lnSpc>
+              <a:spcBef>
+                <a:spcPts val="500"/>
+              </a:spcBef>
+              <a:spcAft>
+                <a:spcPts val="800"/>
+              </a:spcAft>
+              <a:buFont typeface="Arial" panose="020B0604020202020204" pitchFamily="34" charset="0"/>
+              <a:buNone/>
+              <a:defRPr sz="1600" b="1" kern="1200">
+                <a:solidFill>
+                  <a:schemeClr val="tx1">
+                    <a:alpha val="60000"/>
+                  </a:schemeClr>
+                </a:solidFill>
+                <a:latin typeface="+mn-lt"/>
+                <a:ea typeface="+mn-ea"/>
+                <a:cs typeface="+mn-cs"/>
+              </a:defRPr>
+            </a:lvl4pPr>
+            <a:lvl5pPr marL="1828800" indent="0" algn="l" defTabSz="914400" rtl="0" eaLnBrk="1" latinLnBrk="0" hangingPunct="1">
+              <a:lnSpc>
+                <a:spcPct val="110000"/>
+              </a:lnSpc>
+              <a:spcBef>
+                <a:spcPts val="500"/>
+              </a:spcBef>
+              <a:spcAft>
+                <a:spcPts val="800"/>
+              </a:spcAft>
+              <a:buFont typeface="Arial" panose="020B0604020202020204" pitchFamily="34" charset="0"/>
+              <a:buNone/>
+              <a:defRPr sz="1600" b="1" kern="1200">
+                <a:solidFill>
+                  <a:schemeClr val="tx1">
+                    <a:alpha val="60000"/>
+                  </a:schemeClr>
+                </a:solidFill>
+                <a:latin typeface="+mn-lt"/>
+                <a:ea typeface="+mn-ea"/>
+                <a:cs typeface="+mn-cs"/>
+              </a:defRPr>
+            </a:lvl5pPr>
+            <a:lvl6pPr marL="2286000" indent="0" algn="l" defTabSz="914400" rtl="0" eaLnBrk="1" latinLnBrk="0" hangingPunct="1">
+              <a:lnSpc>
+                <a:spcPct val="90000"/>
+              </a:lnSpc>
+              <a:spcBef>
+                <a:spcPts val="500"/>
+              </a:spcBef>
+              <a:buFont typeface="Arial" panose="020B0604020202020204" pitchFamily="34" charset="0"/>
+              <a:buNone/>
+              <a:defRPr sz="1600" b="1" kern="1200">
+                <a:solidFill>
+                  <a:schemeClr val="tx1"/>
+                </a:solidFill>
+                <a:latin typeface="+mn-lt"/>
+                <a:ea typeface="+mn-ea"/>
+                <a:cs typeface="+mn-cs"/>
+              </a:defRPr>
+            </a:lvl6pPr>
+            <a:lvl7pPr marL="2743200" indent="0" algn="l" defTabSz="914400" rtl="0" eaLnBrk="1" latinLnBrk="0" hangingPunct="1">
+              <a:lnSpc>
+                <a:spcPct val="90000"/>
+              </a:lnSpc>
+              <a:spcBef>
+                <a:spcPts val="500"/>
+              </a:spcBef>
+              <a:buFont typeface="Arial" panose="020B0604020202020204" pitchFamily="34" charset="0"/>
+              <a:buNone/>
+              <a:defRPr sz="1600" b="1" kern="1200">
+                <a:solidFill>
+                  <a:schemeClr val="tx1"/>
+                </a:solidFill>
+                <a:latin typeface="+mn-lt"/>
+                <a:ea typeface="+mn-ea"/>
+                <a:cs typeface="+mn-cs"/>
+              </a:defRPr>
+            </a:lvl7pPr>
+            <a:lvl8pPr marL="3200400" indent="0" algn="l" defTabSz="914400" rtl="0" eaLnBrk="1" latinLnBrk="0" hangingPunct="1">
+              <a:lnSpc>
+                <a:spcPct val="90000"/>
+              </a:lnSpc>
+              <a:spcBef>
+                <a:spcPts val="500"/>
+              </a:spcBef>
+              <a:buFont typeface="Arial" panose="020B0604020202020204" pitchFamily="34" charset="0"/>
+              <a:buNone/>
+              <a:defRPr sz="1600" b="1" kern="1200">
+                <a:solidFill>
+                  <a:schemeClr val="tx1"/>
+                </a:solidFill>
+                <a:latin typeface="+mn-lt"/>
+                <a:ea typeface="+mn-ea"/>
+                <a:cs typeface="+mn-cs"/>
+              </a:defRPr>
+            </a:lvl8pPr>
+            <a:lvl9pPr marL="3657600" indent="0" algn="l" defTabSz="914400" rtl="0" eaLnBrk="1" latinLnBrk="0" hangingPunct="1">
+              <a:lnSpc>
+                <a:spcPct val="90000"/>
+              </a:lnSpc>
+              <a:spcBef>
+                <a:spcPts val="500"/>
+              </a:spcBef>
+              <a:buFont typeface="Arial" panose="020B0604020202020204" pitchFamily="34" charset="0"/>
+              <a:buNone/>
+              <a:defRPr sz="1600" b="1" kern="1200">
+                <a:solidFill>
+                  <a:schemeClr val="tx1"/>
+                </a:solidFill>
+                <a:latin typeface="+mn-lt"/>
+                <a:ea typeface="+mn-ea"/>
+                <a:cs typeface="+mn-cs"/>
+              </a:defRPr>
+            </a:lvl9pPr>
+          </a:lstStyle>
+          <a:p>
+            <a:r>
+              <a:rPr lang="en-US" dirty="0"/>
+              <a:t>Cosine distance = 0.1127</a:t>
+            </a:r>
+          </a:p>
+        </p:txBody>
+      </p:sp>
+      <p:sp>
+        <p:nvSpPr>
+          <p:cNvPr id="16" name="Text Placeholder 12">
+            <a:extLst>
+              <a:ext uri="{FF2B5EF4-FFF2-40B4-BE49-F238E27FC236}">
+                <a16:creationId xmlns:a16="http://schemas.microsoft.com/office/drawing/2014/main" id="{3F0D04FF-8AAF-45F8-86BD-F1A55F837EDF}"/>
+              </a:ext>
+            </a:extLst>
+          </p:cNvPr>
+          <p:cNvSpPr txBox="1">
+            <a:spLocks/>
+          </p:cNvSpPr>
+          <p:nvPr/>
+        </p:nvSpPr>
+        <p:spPr>
+          <a:xfrm>
+            <a:off x="6203956" y="1327729"/>
+            <a:ext cx="5436392" cy="535354"/>
+          </a:xfrm>
+          <a:prstGeom prst="rect">
+            <a:avLst/>
+          </a:prstGeom>
+        </p:spPr>
+        <p:txBody>
+          <a:bodyPr vert="horz" wrap="square" lIns="0" tIns="0" rIns="0" bIns="0" rtlCol="0" anchor="b">
+            <a:noAutofit/>
+          </a:bodyPr>
+          <a:lstStyle>
+            <a:lvl1pPr marL="228600" indent="-228600" algn="l" defTabSz="914400" rtl="0" eaLnBrk="1" latinLnBrk="0" hangingPunct="1">
+              <a:lnSpc>
+                <a:spcPct val="110000"/>
+              </a:lnSpc>
+              <a:spcBef>
+                <a:spcPts val="1000"/>
+              </a:spcBef>
+              <a:spcAft>
+                <a:spcPts val="800"/>
+              </a:spcAft>
+              <a:buFont typeface="Arial" panose="020B0604020202020204" pitchFamily="34" charset="0"/>
+              <a:buNone/>
+              <a:defRPr lang="en-US" sz="1400" b="0" kern="1200" cap="all" spc="200" baseline="0" dirty="0">
+                <a:solidFill>
+                  <a:schemeClr val="tx1"/>
+                </a:solidFill>
+                <a:latin typeface="+mn-lt"/>
+                <a:ea typeface="+mn-ea"/>
+                <a:cs typeface="+mn-cs"/>
+              </a:defRPr>
+            </a:lvl1pPr>
+            <a:lvl2pPr marL="685800" indent="-228600" algn="l" defTabSz="914400" rtl="0" eaLnBrk="1" latinLnBrk="0" hangingPunct="1">
+              <a:lnSpc>
+                <a:spcPct val="110000"/>
+              </a:lnSpc>
+              <a:spcBef>
+                <a:spcPts val="500"/>
+              </a:spcBef>
+              <a:spcAft>
+                <a:spcPts val="800"/>
+              </a:spcAft>
+              <a:buFont typeface="Arial" panose="020B0604020202020204" pitchFamily="34" charset="0"/>
+              <a:buChar char="•"/>
+              <a:defRPr sz="1400" kern="1200">
+                <a:solidFill>
+                  <a:schemeClr val="tx1">
+                    <a:alpha val="60000"/>
+                  </a:schemeClr>
+                </a:solidFill>
+                <a:latin typeface="+mn-lt"/>
+                <a:ea typeface="+mn-ea"/>
+                <a:cs typeface="+mn-cs"/>
+              </a:defRPr>
+            </a:lvl2pPr>
+            <a:lvl3pPr marL="1143000" indent="-228600" algn="l" defTabSz="914400" rtl="0" eaLnBrk="1" latinLnBrk="0" hangingPunct="1">
+              <a:lnSpc>
+                <a:spcPct val="110000"/>
+              </a:lnSpc>
+              <a:spcBef>
+                <a:spcPts val="500"/>
+              </a:spcBef>
+              <a:spcAft>
+                <a:spcPts val="800"/>
+              </a:spcAft>
+              <a:buFont typeface="Arial" panose="020B0604020202020204" pitchFamily="34" charset="0"/>
+              <a:buChar char="•"/>
+              <a:defRPr sz="1400" kern="1200">
+                <a:solidFill>
+                  <a:schemeClr val="tx1">
+                    <a:alpha val="60000"/>
+                  </a:schemeClr>
+                </a:solidFill>
+                <a:latin typeface="+mn-lt"/>
+                <a:ea typeface="+mn-ea"/>
+                <a:cs typeface="+mn-cs"/>
+              </a:defRPr>
+            </a:lvl3pPr>
+            <a:lvl4pPr marL="1600200" indent="-228600" algn="l" defTabSz="914400" rtl="0" eaLnBrk="1" latinLnBrk="0" hangingPunct="1">
+              <a:lnSpc>
+                <a:spcPct val="110000"/>
+              </a:lnSpc>
+              <a:spcBef>
+                <a:spcPts val="500"/>
+              </a:spcBef>
+              <a:spcAft>
+                <a:spcPts val="800"/>
+              </a:spcAft>
+              <a:buFont typeface="Arial" panose="020B0604020202020204" pitchFamily="34" charset="0"/>
+              <a:buChar char="•"/>
+              <a:defRPr sz="1400" kern="1200">
+                <a:solidFill>
+                  <a:schemeClr val="tx1">
+                    <a:alpha val="60000"/>
+                  </a:schemeClr>
+                </a:solidFill>
+                <a:latin typeface="+mn-lt"/>
+                <a:ea typeface="+mn-ea"/>
+                <a:cs typeface="+mn-cs"/>
+              </a:defRPr>
+            </a:lvl4pPr>
+            <a:lvl5pPr marL="2057400" indent="-228600" algn="l" defTabSz="914400" rtl="0" eaLnBrk="1" latinLnBrk="0" hangingPunct="1">
+              <a:lnSpc>
+                <a:spcPct val="110000"/>
+              </a:lnSpc>
+              <a:spcBef>
+                <a:spcPts val="500"/>
+              </a:spcBef>
+              <a:spcAft>
+                <a:spcPts val="800"/>
+              </a:spcAft>
+              <a:buFont typeface="Arial" panose="020B0604020202020204" pitchFamily="34" charset="0"/>
+              <a:buChar char="•"/>
+              <a:defRPr sz="1400" kern="1200">
+                <a:solidFill>
+                  <a:schemeClr val="tx1">
+                    <a:alpha val="60000"/>
+                  </a:schemeClr>
+                </a:solidFill>
+                <a:latin typeface="+mn-lt"/>
+                <a:ea typeface="+mn-ea"/>
+                <a:cs typeface="+mn-cs"/>
+              </a:defRPr>
+            </a:lvl5pPr>
+            <a:lvl6pPr marL="2514600" indent="-228600" algn="l" defTabSz="914400" rtl="0" eaLnBrk="1" latinLnBrk="0" hangingPunct="1">
+              <a:lnSpc>
+                <a:spcPct val="90000"/>
+              </a:lnSpc>
+              <a:spcBef>
+                <a:spcPts val="500"/>
+              </a:spcBef>
+              <a:buFont typeface="Arial" panose="020B0604020202020204" pitchFamily="34" charset="0"/>
+              <a:buChar char="•"/>
+              <a:defRPr sz="1800" kern="1200">
+                <a:solidFill>
+                  <a:schemeClr val="tx1"/>
+                </a:solidFill>
+                <a:latin typeface="+mn-lt"/>
+                <a:ea typeface="+mn-ea"/>
+                <a:cs typeface="+mn-cs"/>
+              </a:defRPr>
+            </a:lvl6pPr>
+            <a:lvl7pPr marL="2971800" indent="-228600" algn="l" defTabSz="914400" rtl="0" eaLnBrk="1" latinLnBrk="0" hangingPunct="1">
+              <a:lnSpc>
+                <a:spcPct val="90000"/>
+              </a:lnSpc>
+              <a:spcBef>
+                <a:spcPts val="500"/>
+              </a:spcBef>
+              <a:buFont typeface="Arial" panose="020B0604020202020204" pitchFamily="34" charset="0"/>
+              <a:buChar char="•"/>
+              <a:defRPr sz="1800" kern="1200">
+                <a:solidFill>
+                  <a:schemeClr val="tx1"/>
+                </a:solidFill>
+                <a:latin typeface="+mn-lt"/>
+                <a:ea typeface="+mn-ea"/>
+                <a:cs typeface="+mn-cs"/>
+              </a:defRPr>
+            </a:lvl7pPr>
+            <a:lvl8pPr marL="3429000" indent="-228600" algn="l" defTabSz="914400" rtl="0" eaLnBrk="1" latinLnBrk="0" hangingPunct="1">
+              <a:lnSpc>
+                <a:spcPct val="90000"/>
+              </a:lnSpc>
+              <a:spcBef>
+                <a:spcPts val="500"/>
+              </a:spcBef>
+              <a:buFont typeface="Arial" panose="020B0604020202020204" pitchFamily="34" charset="0"/>
+              <a:buChar char="•"/>
+              <a:defRPr sz="1800" kern="1200">
+                <a:solidFill>
+                  <a:schemeClr val="tx1"/>
+                </a:solidFill>
+                <a:latin typeface="+mn-lt"/>
+                <a:ea typeface="+mn-ea"/>
+                <a:cs typeface="+mn-cs"/>
+              </a:defRPr>
+            </a:lvl8pPr>
+            <a:lvl9pPr marL="3886200" indent="-228600" algn="l" defTabSz="914400" rtl="0" eaLnBrk="1" latinLnBrk="0" hangingPunct="1">
+              <a:lnSpc>
+                <a:spcPct val="90000"/>
+              </a:lnSpc>
+              <a:spcBef>
+                <a:spcPts val="500"/>
+              </a:spcBef>
+              <a:buFont typeface="Arial" panose="020B0604020202020204" pitchFamily="34" charset="0"/>
+              <a:buChar char="•"/>
+              <a:defRPr sz="1800" kern="1200">
+                <a:solidFill>
+                  <a:schemeClr val="tx1"/>
+                </a:solidFill>
+                <a:latin typeface="+mn-lt"/>
+                <a:ea typeface="+mn-ea"/>
+                <a:cs typeface="+mn-cs"/>
+              </a:defRPr>
+            </a:lvl9pPr>
+          </a:lstStyle>
+          <a:p>
+            <a:r>
+              <a:rPr lang="en-US" dirty="0"/>
+              <a:t>3-d</a:t>
+            </a:r>
+          </a:p>
+        </p:txBody>
+      </p:sp>
+    </p:spTree>
+    <p:extLst>
+      <p:ext uri="{BB962C8B-B14F-4D97-AF65-F5344CB8AC3E}">
+        <p14:creationId xmlns:p14="http://schemas.microsoft.com/office/powerpoint/2010/main" val="2433461697"/>
+      </p:ext>
+    </p:extLst>
+  </p:cSld>
+  <p:clrMapOvr>
+    <a:masterClrMapping/>
+  </p:clrMapOvr>
+  <p:timing>
+    <p:tnLst>
+      <p:par>
+        <p:cTn id="1" dur="indefinite" restart="never" nodeType="tmRoot">
+          <p:childTnLst>
+            <p:seq concurrent="1" nextAc="seek">
+              <p:cTn id="2" dur="indefinite" nodeType="mainSeq">
+                <p:childTnLst>
+                  <p:par>
+                    <p:cTn id="3" fill="hold">
+                      <p:stCondLst>
+                        <p:cond delay="indefinite"/>
+                      </p:stCondLst>
+                      <p:childTnLst>
+                        <p:par>
+                          <p:cTn id="4" fill="hold">
+                            <p:stCondLst>
+                              <p:cond delay="0"/>
+                            </p:stCondLst>
+                            <p:childTnLst>
+                              <p:par>
+                                <p:cTn id="5" presetID="42" presetClass="entr" presetSubtype="0" fill="hold" grpId="0" nodeType="clickEffect">
+                                  <p:stCondLst>
+                                    <p:cond delay="0"/>
+                                  </p:stCondLst>
+                                  <p:childTnLst>
+                                    <p:set>
+                                      <p:cBhvr>
+                                        <p:cTn id="6" dur="1" fill="hold">
+                                          <p:stCondLst>
+                                            <p:cond delay="0"/>
+                                          </p:stCondLst>
+                                        </p:cTn>
+                                        <p:tgtEl>
+                                          <p:spTgt spid="11">
+                                            <p:txEl>
+                                              <p:pRg st="0" end="0"/>
+                                            </p:txEl>
+                                          </p:spTgt>
+                                        </p:tgtEl>
+                                        <p:attrNameLst>
+                                          <p:attrName>style.visibility</p:attrName>
+                                        </p:attrNameLst>
+                                      </p:cBhvr>
+                                      <p:to>
+                                        <p:strVal val="visible"/>
+                                      </p:to>
+                                    </p:set>
+                                    <p:animEffect transition="in" filter="fade">
+                                      <p:cBhvr>
+                                        <p:cTn id="7" dur="1000"/>
+                                        <p:tgtEl>
+                                          <p:spTgt spid="11">
+                                            <p:txEl>
+                                              <p:pRg st="0" end="0"/>
+                                            </p:txEl>
+                                          </p:spTgt>
+                                        </p:tgtEl>
+                                      </p:cBhvr>
+                                    </p:animEffect>
+                                    <p:anim calcmode="lin" valueType="num">
+                                      <p:cBhvr>
+                                        <p:cTn id="8" dur="1000" fill="hold"/>
+                                        <p:tgtEl>
+                                          <p:spTgt spid="11">
+                                            <p:txEl>
+                                              <p:pRg st="0" end="0"/>
+                                            </p:txEl>
+                                          </p:spTgt>
+                                        </p:tgtEl>
+                                        <p:attrNameLst>
+                                          <p:attrName>ppt_x</p:attrName>
+                                        </p:attrNameLst>
+                                      </p:cBhvr>
+                                      <p:tavLst>
+                                        <p:tav tm="0">
+                                          <p:val>
+                                            <p:strVal val="#ppt_x"/>
+                                          </p:val>
+                                        </p:tav>
+                                        <p:tav tm="100000">
+                                          <p:val>
+                                            <p:strVal val="#ppt_x"/>
+                                          </p:val>
+                                        </p:tav>
+                                      </p:tavLst>
+                                    </p:anim>
+                                    <p:anim calcmode="lin" valueType="num">
+                                      <p:cBhvr>
+                                        <p:cTn id="9" dur="1000" fill="hold"/>
+                                        <p:tgtEl>
+                                          <p:spTgt spid="11">
+                                            <p:txEl>
+                                              <p:pRg st="0" end="0"/>
+                                            </p:txEl>
+                                          </p:spTgt>
+                                        </p:tgtEl>
+                                        <p:attrNameLst>
+                                          <p:attrName>ppt_y</p:attrName>
+                                        </p:attrNameLst>
+                                      </p:cBhvr>
+                                      <p:tavLst>
+                                        <p:tav tm="0">
+                                          <p:val>
+                                            <p:strVal val="#ppt_y+.1"/>
+                                          </p:val>
+                                        </p:tav>
+                                        <p:tav tm="100000">
+                                          <p:val>
+                                            <p:strVal val="#ppt_y"/>
+                                          </p:val>
+                                        </p:tav>
+                                      </p:tavLst>
+                                    </p:anim>
+                                  </p:childTnLst>
+                                </p:cTn>
+                              </p:par>
+                              <p:par>
+                                <p:cTn id="10" presetID="42" presetClass="entr" presetSubtype="0" fill="hold" grpId="0" nodeType="withEffect">
+                                  <p:stCondLst>
+                                    <p:cond delay="0"/>
+                                  </p:stCondLst>
+                                  <p:childTnLst>
+                                    <p:set>
+                                      <p:cBhvr>
+                                        <p:cTn id="11" dur="1" fill="hold">
+                                          <p:stCondLst>
+                                            <p:cond delay="0"/>
+                                          </p:stCondLst>
+                                        </p:cTn>
+                                        <p:tgtEl>
+                                          <p:spTgt spid="15"/>
+                                        </p:tgtEl>
+                                        <p:attrNameLst>
+                                          <p:attrName>style.visibility</p:attrName>
+                                        </p:attrNameLst>
+                                      </p:cBhvr>
+                                      <p:to>
+                                        <p:strVal val="visible"/>
+                                      </p:to>
+                                    </p:set>
+                                    <p:animEffect transition="in" filter="fade">
+                                      <p:cBhvr>
+                                        <p:cTn id="12" dur="1000"/>
+                                        <p:tgtEl>
+                                          <p:spTgt spid="15"/>
+                                        </p:tgtEl>
+                                      </p:cBhvr>
+                                    </p:animEffect>
+                                    <p:anim calcmode="lin" valueType="num">
+                                      <p:cBhvr>
+                                        <p:cTn id="13" dur="1000" fill="hold"/>
+                                        <p:tgtEl>
+                                          <p:spTgt spid="15"/>
+                                        </p:tgtEl>
+                                        <p:attrNameLst>
+                                          <p:attrName>ppt_x</p:attrName>
+                                        </p:attrNameLst>
+                                      </p:cBhvr>
+                                      <p:tavLst>
+                                        <p:tav tm="0">
+                                          <p:val>
+                                            <p:strVal val="#ppt_x"/>
+                                          </p:val>
+                                        </p:tav>
+                                        <p:tav tm="100000">
+                                          <p:val>
+                                            <p:strVal val="#ppt_x"/>
+                                          </p:val>
+                                        </p:tav>
+                                      </p:tavLst>
+                                    </p:anim>
+                                    <p:anim calcmode="lin" valueType="num">
+                                      <p:cBhvr>
+                                        <p:cTn id="14" dur="1000" fill="hold"/>
+                                        <p:tgtEl>
+                                          <p:spTgt spid="15"/>
+                                        </p:tgtEl>
+                                        <p:attrNameLst>
+                                          <p:attrName>ppt_y</p:attrName>
+                                        </p:attrNameLst>
+                                      </p:cBhvr>
+                                      <p:tavLst>
+                                        <p:tav tm="0">
+                                          <p:val>
+                                            <p:strVal val="#ppt_y+.1"/>
+                                          </p:val>
+                                        </p:tav>
+                                        <p:tav tm="100000">
+                                          <p:val>
+                                            <p:strVal val="#ppt_y"/>
+                                          </p:val>
+                                        </p:tav>
+                                      </p:tavLst>
+                                    </p:anim>
+                                  </p:childTnLst>
+                                </p:cTn>
+                              </p:par>
+                              <p:par>
+                                <p:cTn id="15" presetID="42" presetClass="entr" presetSubtype="0" fill="hold" nodeType="withEffect">
+                                  <p:stCondLst>
+                                    <p:cond delay="0"/>
+                                  </p:stCondLst>
+                                  <p:childTnLst>
+                                    <p:set>
+                                      <p:cBhvr>
+                                        <p:cTn id="16" dur="1" fill="hold">
+                                          <p:stCondLst>
+                                            <p:cond delay="0"/>
+                                          </p:stCondLst>
+                                        </p:cTn>
+                                        <p:tgtEl>
+                                          <p:spTgt spid="30"/>
+                                        </p:tgtEl>
+                                        <p:attrNameLst>
+                                          <p:attrName>style.visibility</p:attrName>
+                                        </p:attrNameLst>
+                                      </p:cBhvr>
+                                      <p:to>
+                                        <p:strVal val="visible"/>
+                                      </p:to>
+                                    </p:set>
+                                    <p:animEffect transition="in" filter="fade">
+                                      <p:cBhvr>
+                                        <p:cTn id="17" dur="1000"/>
+                                        <p:tgtEl>
+                                          <p:spTgt spid="30"/>
+                                        </p:tgtEl>
+                                      </p:cBhvr>
+                                    </p:animEffect>
+                                    <p:anim calcmode="lin" valueType="num">
+                                      <p:cBhvr>
+                                        <p:cTn id="18" dur="1000" fill="hold"/>
+                                        <p:tgtEl>
+                                          <p:spTgt spid="30"/>
+                                        </p:tgtEl>
+                                        <p:attrNameLst>
+                                          <p:attrName>ppt_x</p:attrName>
+                                        </p:attrNameLst>
+                                      </p:cBhvr>
+                                      <p:tavLst>
+                                        <p:tav tm="0">
+                                          <p:val>
+                                            <p:strVal val="#ppt_x"/>
+                                          </p:val>
+                                        </p:tav>
+                                        <p:tav tm="100000">
+                                          <p:val>
+                                            <p:strVal val="#ppt_x"/>
+                                          </p:val>
+                                        </p:tav>
+                                      </p:tavLst>
+                                    </p:anim>
+                                    <p:anim calcmode="lin" valueType="num">
+                                      <p:cBhvr>
+                                        <p:cTn id="19" dur="1000" fill="hold"/>
+                                        <p:tgtEl>
+                                          <p:spTgt spid="30"/>
+                                        </p:tgtEl>
+                                        <p:attrNameLst>
+                                          <p:attrName>ppt_y</p:attrName>
+                                        </p:attrNameLst>
+                                      </p:cBhvr>
+                                      <p:tavLst>
+                                        <p:tav tm="0">
+                                          <p:val>
+                                            <p:strVal val="#ppt_y+.1"/>
+                                          </p:val>
+                                        </p:tav>
+                                        <p:tav tm="100000">
+                                          <p:val>
+                                            <p:strVal val="#ppt_y"/>
+                                          </p:val>
+                                        </p:tav>
+                                      </p:tavLst>
+                                    </p:anim>
+                                  </p:childTnLst>
+                                </p:cTn>
+                              </p:par>
+                            </p:childTnLst>
+                          </p:cTn>
+                        </p:par>
+                      </p:childTnLst>
+                    </p:cTn>
+                  </p:par>
+                  <p:par>
+                    <p:cTn id="20" fill="hold">
+                      <p:stCondLst>
+                        <p:cond delay="indefinite"/>
+                      </p:stCondLst>
+                      <p:childTnLst>
+                        <p:par>
+                          <p:cTn id="21" fill="hold">
+                            <p:stCondLst>
+                              <p:cond delay="0"/>
+                            </p:stCondLst>
+                            <p:childTnLst>
+                              <p:par>
+                                <p:cTn id="22" presetID="42" presetClass="entr" presetSubtype="0" fill="hold" grpId="0" nodeType="clickEffect">
+                                  <p:stCondLst>
+                                    <p:cond delay="0"/>
+                                  </p:stCondLst>
+                                  <p:childTnLst>
+                                    <p:set>
+                                      <p:cBhvr>
+                                        <p:cTn id="23" dur="1" fill="hold">
+                                          <p:stCondLst>
+                                            <p:cond delay="0"/>
+                                          </p:stCondLst>
+                                        </p:cTn>
+                                        <p:tgtEl>
+                                          <p:spTgt spid="16"/>
+                                        </p:tgtEl>
+                                        <p:attrNameLst>
+                                          <p:attrName>style.visibility</p:attrName>
+                                        </p:attrNameLst>
+                                      </p:cBhvr>
+                                      <p:to>
+                                        <p:strVal val="visible"/>
+                                      </p:to>
+                                    </p:set>
+                                    <p:animEffect transition="in" filter="fade">
+                                      <p:cBhvr>
+                                        <p:cTn id="24" dur="1000"/>
+                                        <p:tgtEl>
+                                          <p:spTgt spid="16"/>
+                                        </p:tgtEl>
+                                      </p:cBhvr>
+                                    </p:animEffect>
+                                    <p:anim calcmode="lin" valueType="num">
+                                      <p:cBhvr>
+                                        <p:cTn id="25" dur="1000" fill="hold"/>
+                                        <p:tgtEl>
+                                          <p:spTgt spid="16"/>
+                                        </p:tgtEl>
+                                        <p:attrNameLst>
+                                          <p:attrName>ppt_x</p:attrName>
+                                        </p:attrNameLst>
+                                      </p:cBhvr>
+                                      <p:tavLst>
+                                        <p:tav tm="0">
+                                          <p:val>
+                                            <p:strVal val="#ppt_x"/>
+                                          </p:val>
+                                        </p:tav>
+                                        <p:tav tm="100000">
+                                          <p:val>
+                                            <p:strVal val="#ppt_x"/>
+                                          </p:val>
+                                        </p:tav>
+                                      </p:tavLst>
+                                    </p:anim>
+                                    <p:anim calcmode="lin" valueType="num">
+                                      <p:cBhvr>
+                                        <p:cTn id="26" dur="1000" fill="hold"/>
+                                        <p:tgtEl>
+                                          <p:spTgt spid="16"/>
+                                        </p:tgtEl>
+                                        <p:attrNameLst>
+                                          <p:attrName>ppt_y</p:attrName>
+                                        </p:attrNameLst>
+                                      </p:cBhvr>
+                                      <p:tavLst>
+                                        <p:tav tm="0">
+                                          <p:val>
+                                            <p:strVal val="#ppt_y+.1"/>
+                                          </p:val>
+                                        </p:tav>
+                                        <p:tav tm="100000">
+                                          <p:val>
+                                            <p:strVal val="#ppt_y"/>
+                                          </p:val>
+                                        </p:tav>
+                                      </p:tavLst>
+                                    </p:anim>
+                                  </p:childTnLst>
+                                </p:cTn>
+                              </p:par>
+                              <p:par>
+                                <p:cTn id="27" presetID="42" presetClass="entr" presetSubtype="0" fill="hold" grpId="0" nodeType="withEffect">
+                                  <p:stCondLst>
+                                    <p:cond delay="0"/>
+                                  </p:stCondLst>
+                                  <p:childTnLst>
+                                    <p:set>
+                                      <p:cBhvr>
+                                        <p:cTn id="28" dur="1" fill="hold">
+                                          <p:stCondLst>
+                                            <p:cond delay="0"/>
+                                          </p:stCondLst>
+                                        </p:cTn>
+                                        <p:tgtEl>
+                                          <p:spTgt spid="13">
+                                            <p:txEl>
+                                              <p:pRg st="0" end="0"/>
+                                            </p:txEl>
+                                          </p:spTgt>
+                                        </p:tgtEl>
+                                        <p:attrNameLst>
+                                          <p:attrName>style.visibility</p:attrName>
+                                        </p:attrNameLst>
+                                      </p:cBhvr>
+                                      <p:to>
+                                        <p:strVal val="visible"/>
+                                      </p:to>
+                                    </p:set>
+                                    <p:animEffect transition="in" filter="fade">
+                                      <p:cBhvr>
+                                        <p:cTn id="29" dur="1000"/>
+                                        <p:tgtEl>
+                                          <p:spTgt spid="13">
+                                            <p:txEl>
+                                              <p:pRg st="0" end="0"/>
+                                            </p:txEl>
+                                          </p:spTgt>
+                                        </p:tgtEl>
+                                      </p:cBhvr>
+                                    </p:animEffect>
+                                    <p:anim calcmode="lin" valueType="num">
+                                      <p:cBhvr>
+                                        <p:cTn id="30" dur="1000" fill="hold"/>
+                                        <p:tgtEl>
+                                          <p:spTgt spid="13">
+                                            <p:txEl>
+                                              <p:pRg st="0" end="0"/>
+                                            </p:txEl>
+                                          </p:spTgt>
+                                        </p:tgtEl>
+                                        <p:attrNameLst>
+                                          <p:attrName>ppt_x</p:attrName>
+                                        </p:attrNameLst>
+                                      </p:cBhvr>
+                                      <p:tavLst>
+                                        <p:tav tm="0">
+                                          <p:val>
+                                            <p:strVal val="#ppt_x"/>
+                                          </p:val>
+                                        </p:tav>
+                                        <p:tav tm="100000">
+                                          <p:val>
+                                            <p:strVal val="#ppt_x"/>
+                                          </p:val>
+                                        </p:tav>
+                                      </p:tavLst>
+                                    </p:anim>
+                                    <p:anim calcmode="lin" valueType="num">
+                                      <p:cBhvr>
+                                        <p:cTn id="31" dur="1000" fill="hold"/>
+                                        <p:tgtEl>
+                                          <p:spTgt spid="13">
+                                            <p:txEl>
+                                              <p:pRg st="0" end="0"/>
+                                            </p:txEl>
+                                          </p:spTgt>
+                                        </p:tgtEl>
+                                        <p:attrNameLst>
+                                          <p:attrName>ppt_y</p:attrName>
+                                        </p:attrNameLst>
+                                      </p:cBhvr>
+                                      <p:tavLst>
+                                        <p:tav tm="0">
+                                          <p:val>
+                                            <p:strVal val="#ppt_y+.1"/>
+                                          </p:val>
+                                        </p:tav>
+                                        <p:tav tm="100000">
+                                          <p:val>
+                                            <p:strVal val="#ppt_y"/>
+                                          </p:val>
+                                        </p:tav>
+                                      </p:tavLst>
+                                    </p:anim>
+                                  </p:childTnLst>
+                                </p:cTn>
+                              </p:par>
+                              <p:par>
+                                <p:cTn id="32" presetID="42" presetClass="entr" presetSubtype="0" fill="hold" nodeType="withEffect">
+                                  <p:stCondLst>
+                                    <p:cond delay="0"/>
+                                  </p:stCondLst>
+                                  <p:childTnLst>
+                                    <p:set>
+                                      <p:cBhvr>
+                                        <p:cTn id="33" dur="1" fill="hold">
+                                          <p:stCondLst>
+                                            <p:cond delay="0"/>
+                                          </p:stCondLst>
+                                        </p:cTn>
+                                        <p:tgtEl>
+                                          <p:spTgt spid="32"/>
+                                        </p:tgtEl>
+                                        <p:attrNameLst>
+                                          <p:attrName>style.visibility</p:attrName>
+                                        </p:attrNameLst>
+                                      </p:cBhvr>
+                                      <p:to>
+                                        <p:strVal val="visible"/>
+                                      </p:to>
+                                    </p:set>
+                                    <p:animEffect transition="in" filter="fade">
+                                      <p:cBhvr>
+                                        <p:cTn id="34" dur="1000"/>
+                                        <p:tgtEl>
+                                          <p:spTgt spid="32"/>
+                                        </p:tgtEl>
+                                      </p:cBhvr>
+                                    </p:animEffect>
+                                    <p:anim calcmode="lin" valueType="num">
+                                      <p:cBhvr>
+                                        <p:cTn id="35" dur="1000" fill="hold"/>
+                                        <p:tgtEl>
+                                          <p:spTgt spid="32"/>
+                                        </p:tgtEl>
+                                        <p:attrNameLst>
+                                          <p:attrName>ppt_x</p:attrName>
+                                        </p:attrNameLst>
+                                      </p:cBhvr>
+                                      <p:tavLst>
+                                        <p:tav tm="0">
+                                          <p:val>
+                                            <p:strVal val="#ppt_x"/>
+                                          </p:val>
+                                        </p:tav>
+                                        <p:tav tm="100000">
+                                          <p:val>
+                                            <p:strVal val="#ppt_x"/>
+                                          </p:val>
+                                        </p:tav>
+                                      </p:tavLst>
+                                    </p:anim>
+                                    <p:anim calcmode="lin" valueType="num">
+                                      <p:cBhvr>
+                                        <p:cTn id="36" dur="1000" fill="hold"/>
+                                        <p:tgtEl>
+                                          <p:spTgt spid="32"/>
+                                        </p:tgtEl>
+                                        <p:attrNameLst>
+                                          <p:attrName>ppt_y</p:attrName>
+                                        </p:attrNameLst>
+                                      </p:cBhvr>
+                                      <p:tavLst>
+                                        <p:tav tm="0">
+                                          <p:val>
+                                            <p:strVal val="#ppt_y+.1"/>
+                                          </p:val>
+                                        </p:tav>
+                                        <p:tav tm="100000">
+                                          <p:val>
+                                            <p:strVal val="#ppt_y"/>
+                                          </p:val>
+                                        </p:tav>
+                                      </p:tavLst>
+                                    </p:anim>
+                                  </p:childTnLst>
+                                </p:cTn>
+                              </p:par>
+                            </p:childTnLst>
+                          </p:cTn>
+                        </p:par>
+                      </p:childTnLst>
+                    </p:cTn>
+                  </p:par>
+                </p:childTnLst>
+              </p:cTn>
+              <p:prevCondLst>
+                <p:cond evt="onPrev" delay="0">
+                  <p:tgtEl>
+                    <p:sldTgt/>
+                  </p:tgtEl>
+                </p:cond>
+              </p:prevCondLst>
+              <p:nextCondLst>
+                <p:cond evt="onNext" delay="0">
+                  <p:tgtEl>
+                    <p:sldTgt/>
+                  </p:tgtEl>
+                </p:cond>
+              </p:nextCondLst>
+            </p:seq>
+          </p:childTnLst>
+        </p:cTn>
+      </p:par>
+    </p:tnLst>
+    <p:bldLst>
+      <p:bldP spid="11" grpId="0" build="p"/>
+      <p:bldP spid="13" grpId="0" build="p"/>
+      <p:bldP spid="15" grpId="0"/>
+      <p:bldP spid="16" grpId="0"/>
+    </p:bldLst>
+  </p:timing>
+</p:sld>
+</file>
+
+<file path=ppt/slides/slide11.xml><?xml version="1.0" encoding="utf-8"?>
+<p:sld xmlns:a="http://schemas.openxmlformats.org/drawingml/2006/main" xmlns:r="http://schemas.openxmlformats.org/officeDocument/2006/relationships" xmlns:p="http://schemas.openxmlformats.org/presentationml/2006/main">
+  <p:cSld>
+    <p:spTree>
+      <p:nvGrpSpPr>
+        <p:cNvPr id="1" name=""/>
+        <p:cNvGrpSpPr/>
+        <p:nvPr/>
+      </p:nvGrpSpPr>
+      <p:grpSpPr>
+        <a:xfrm>
+          <a:off x="0" y="0"/>
+          <a:ext cx="0" cy="0"/>
+          <a:chOff x="0" y="0"/>
+          <a:chExt cx="0" cy="0"/>
+        </a:xfrm>
+      </p:grpSpPr>
+      <p:sp>
+        <p:nvSpPr>
           <p:cNvPr id="6" name="Title 5">
             <a:extLst>
               <a:ext uri="{FF2B5EF4-FFF2-40B4-BE49-F238E27FC236}">
@@ -13630,7 +14932,7 @@
             <a:fld id="{DBA1B0FB-D917-4C8C-928F-313BD683BF39}" type="slidenum">
               <a:rPr lang="en-US" smtClean="0"/>
               <a:pPr/>
-              <a:t>10</a:t>
+              <a:t>11</a:t>
             </a:fld>
             <a:endParaRPr lang="en-US"/>
           </a:p>
@@ -14212,7 +15514,7 @@
 </p:sld>
 </file>
 
-<file path=ppt/slides/slide11.xml><?xml version="1.0" encoding="utf-8"?>
+<file path=ppt/slides/slide12.xml><?xml version="1.0" encoding="utf-8"?>
 <p:sld xmlns:a="http://schemas.openxmlformats.org/drawingml/2006/main" xmlns:r="http://schemas.openxmlformats.org/officeDocument/2006/relationships" xmlns:p="http://schemas.openxmlformats.org/presentationml/2006/main">
   <p:cSld>
     <p:bg>
@@ -15290,7 +16592,7 @@
                   <a:spcPts val="600"/>
                 </a:spcAft>
               </a:pPr>
-              <a:t>11</a:t>
+              <a:t>12</a:t>
             </a:fld>
             <a:endParaRPr lang="en-US">
               <a:solidFill>
@@ -15693,7 +16995,7 @@
         </p:nvSpPr>
         <p:spPr>
           <a:xfrm>
-            <a:off x="5364399" y="2298336"/>
+            <a:off x="5288451" y="2298336"/>
             <a:ext cx="3216921" cy="830997"/>
           </a:xfrm>
           <a:prstGeom prst="rect">
@@ -15943,6 +17245,672 @@
                       </p:childTnLst>
                     </p:cTn>
                   </p:par>
+                  <p:par>
+                    <p:cTn id="13" fill="hold">
+                      <p:stCondLst>
+                        <p:cond delay="indefinite"/>
+                      </p:stCondLst>
+                      <p:childTnLst>
+                        <p:par>
+                          <p:cTn id="14" fill="hold">
+                            <p:stCondLst>
+                              <p:cond delay="0"/>
+                            </p:stCondLst>
+                            <p:childTnLst>
+                              <p:par>
+                                <p:cTn id="15" presetID="42" presetClass="entr" presetSubtype="0" fill="hold" nodeType="clickEffect">
+                                  <p:stCondLst>
+                                    <p:cond delay="0"/>
+                                  </p:stCondLst>
+                                  <p:childTnLst>
+                                    <p:set>
+                                      <p:cBhvr>
+                                        <p:cTn id="16" dur="1" fill="hold">
+                                          <p:stCondLst>
+                                            <p:cond delay="0"/>
+                                          </p:stCondLst>
+                                        </p:cTn>
+                                        <p:tgtEl>
+                                          <p:spTgt spid="19"/>
+                                        </p:tgtEl>
+                                        <p:attrNameLst>
+                                          <p:attrName>style.visibility</p:attrName>
+                                        </p:attrNameLst>
+                                      </p:cBhvr>
+                                      <p:to>
+                                        <p:strVal val="visible"/>
+                                      </p:to>
+                                    </p:set>
+                                    <p:animEffect transition="in" filter="fade">
+                                      <p:cBhvr>
+                                        <p:cTn id="17" dur="1000"/>
+                                        <p:tgtEl>
+                                          <p:spTgt spid="19"/>
+                                        </p:tgtEl>
+                                      </p:cBhvr>
+                                    </p:animEffect>
+                                    <p:anim calcmode="lin" valueType="num">
+                                      <p:cBhvr>
+                                        <p:cTn id="18" dur="1000" fill="hold"/>
+                                        <p:tgtEl>
+                                          <p:spTgt spid="19"/>
+                                        </p:tgtEl>
+                                        <p:attrNameLst>
+                                          <p:attrName>ppt_x</p:attrName>
+                                        </p:attrNameLst>
+                                      </p:cBhvr>
+                                      <p:tavLst>
+                                        <p:tav tm="0">
+                                          <p:val>
+                                            <p:strVal val="#ppt_x"/>
+                                          </p:val>
+                                        </p:tav>
+                                        <p:tav tm="100000">
+                                          <p:val>
+                                            <p:strVal val="#ppt_x"/>
+                                          </p:val>
+                                        </p:tav>
+                                      </p:tavLst>
+                                    </p:anim>
+                                    <p:anim calcmode="lin" valueType="num">
+                                      <p:cBhvr>
+                                        <p:cTn id="19" dur="1000" fill="hold"/>
+                                        <p:tgtEl>
+                                          <p:spTgt spid="19"/>
+                                        </p:tgtEl>
+                                        <p:attrNameLst>
+                                          <p:attrName>ppt_y</p:attrName>
+                                        </p:attrNameLst>
+                                      </p:cBhvr>
+                                      <p:tavLst>
+                                        <p:tav tm="0">
+                                          <p:val>
+                                            <p:strVal val="#ppt_y+.1"/>
+                                          </p:val>
+                                        </p:tav>
+                                        <p:tav tm="100000">
+                                          <p:val>
+                                            <p:strVal val="#ppt_y"/>
+                                          </p:val>
+                                        </p:tav>
+                                      </p:tavLst>
+                                    </p:anim>
+                                  </p:childTnLst>
+                                </p:cTn>
+                              </p:par>
+                              <p:par>
+                                <p:cTn id="20" presetID="42" presetClass="entr" presetSubtype="0" fill="hold" grpId="0" nodeType="withEffect">
+                                  <p:stCondLst>
+                                    <p:cond delay="0"/>
+                                  </p:stCondLst>
+                                  <p:childTnLst>
+                                    <p:set>
+                                      <p:cBhvr>
+                                        <p:cTn id="21" dur="1" fill="hold">
+                                          <p:stCondLst>
+                                            <p:cond delay="0"/>
+                                          </p:stCondLst>
+                                        </p:cTn>
+                                        <p:tgtEl>
+                                          <p:spTgt spid="8"/>
+                                        </p:tgtEl>
+                                        <p:attrNameLst>
+                                          <p:attrName>style.visibility</p:attrName>
+                                        </p:attrNameLst>
+                                      </p:cBhvr>
+                                      <p:to>
+                                        <p:strVal val="visible"/>
+                                      </p:to>
+                                    </p:set>
+                                    <p:animEffect transition="in" filter="fade">
+                                      <p:cBhvr>
+                                        <p:cTn id="22" dur="1000"/>
+                                        <p:tgtEl>
+                                          <p:spTgt spid="8"/>
+                                        </p:tgtEl>
+                                      </p:cBhvr>
+                                    </p:animEffect>
+                                    <p:anim calcmode="lin" valueType="num">
+                                      <p:cBhvr>
+                                        <p:cTn id="23" dur="1000" fill="hold"/>
+                                        <p:tgtEl>
+                                          <p:spTgt spid="8"/>
+                                        </p:tgtEl>
+                                        <p:attrNameLst>
+                                          <p:attrName>ppt_x</p:attrName>
+                                        </p:attrNameLst>
+                                      </p:cBhvr>
+                                      <p:tavLst>
+                                        <p:tav tm="0">
+                                          <p:val>
+                                            <p:strVal val="#ppt_x"/>
+                                          </p:val>
+                                        </p:tav>
+                                        <p:tav tm="100000">
+                                          <p:val>
+                                            <p:strVal val="#ppt_x"/>
+                                          </p:val>
+                                        </p:tav>
+                                      </p:tavLst>
+                                    </p:anim>
+                                    <p:anim calcmode="lin" valueType="num">
+                                      <p:cBhvr>
+                                        <p:cTn id="24" dur="1000" fill="hold"/>
+                                        <p:tgtEl>
+                                          <p:spTgt spid="8"/>
+                                        </p:tgtEl>
+                                        <p:attrNameLst>
+                                          <p:attrName>ppt_y</p:attrName>
+                                        </p:attrNameLst>
+                                      </p:cBhvr>
+                                      <p:tavLst>
+                                        <p:tav tm="0">
+                                          <p:val>
+                                            <p:strVal val="#ppt_y+.1"/>
+                                          </p:val>
+                                        </p:tav>
+                                        <p:tav tm="100000">
+                                          <p:val>
+                                            <p:strVal val="#ppt_y"/>
+                                          </p:val>
+                                        </p:tav>
+                                      </p:tavLst>
+                                    </p:anim>
+                                  </p:childTnLst>
+                                </p:cTn>
+                              </p:par>
+                              <p:par>
+                                <p:cTn id="25" presetID="42" presetClass="entr" presetSubtype="0" fill="hold" grpId="0" nodeType="withEffect">
+                                  <p:stCondLst>
+                                    <p:cond delay="0"/>
+                                  </p:stCondLst>
+                                  <p:childTnLst>
+                                    <p:set>
+                                      <p:cBhvr>
+                                        <p:cTn id="26" dur="1" fill="hold">
+                                          <p:stCondLst>
+                                            <p:cond delay="0"/>
+                                          </p:stCondLst>
+                                        </p:cTn>
+                                        <p:tgtEl>
+                                          <p:spTgt spid="10"/>
+                                        </p:tgtEl>
+                                        <p:attrNameLst>
+                                          <p:attrName>style.visibility</p:attrName>
+                                        </p:attrNameLst>
+                                      </p:cBhvr>
+                                      <p:to>
+                                        <p:strVal val="visible"/>
+                                      </p:to>
+                                    </p:set>
+                                    <p:animEffect transition="in" filter="fade">
+                                      <p:cBhvr>
+                                        <p:cTn id="27" dur="1000"/>
+                                        <p:tgtEl>
+                                          <p:spTgt spid="10"/>
+                                        </p:tgtEl>
+                                      </p:cBhvr>
+                                    </p:animEffect>
+                                    <p:anim calcmode="lin" valueType="num">
+                                      <p:cBhvr>
+                                        <p:cTn id="28" dur="1000" fill="hold"/>
+                                        <p:tgtEl>
+                                          <p:spTgt spid="10"/>
+                                        </p:tgtEl>
+                                        <p:attrNameLst>
+                                          <p:attrName>ppt_x</p:attrName>
+                                        </p:attrNameLst>
+                                      </p:cBhvr>
+                                      <p:tavLst>
+                                        <p:tav tm="0">
+                                          <p:val>
+                                            <p:strVal val="#ppt_x"/>
+                                          </p:val>
+                                        </p:tav>
+                                        <p:tav tm="100000">
+                                          <p:val>
+                                            <p:strVal val="#ppt_x"/>
+                                          </p:val>
+                                        </p:tav>
+                                      </p:tavLst>
+                                    </p:anim>
+                                    <p:anim calcmode="lin" valueType="num">
+                                      <p:cBhvr>
+                                        <p:cTn id="29" dur="1000" fill="hold"/>
+                                        <p:tgtEl>
+                                          <p:spTgt spid="10"/>
+                                        </p:tgtEl>
+                                        <p:attrNameLst>
+                                          <p:attrName>ppt_y</p:attrName>
+                                        </p:attrNameLst>
+                                      </p:cBhvr>
+                                      <p:tavLst>
+                                        <p:tav tm="0">
+                                          <p:val>
+                                            <p:strVal val="#ppt_y+.1"/>
+                                          </p:val>
+                                        </p:tav>
+                                        <p:tav tm="100000">
+                                          <p:val>
+                                            <p:strVal val="#ppt_y"/>
+                                          </p:val>
+                                        </p:tav>
+                                      </p:tavLst>
+                                    </p:anim>
+                                  </p:childTnLst>
+                                </p:cTn>
+                              </p:par>
+                              <p:par>
+                                <p:cTn id="30" presetID="42" presetClass="entr" presetSubtype="0" fill="hold" nodeType="withEffect">
+                                  <p:stCondLst>
+                                    <p:cond delay="0"/>
+                                  </p:stCondLst>
+                                  <p:childTnLst>
+                                    <p:set>
+                                      <p:cBhvr>
+                                        <p:cTn id="31" dur="1" fill="hold">
+                                          <p:stCondLst>
+                                            <p:cond delay="0"/>
+                                          </p:stCondLst>
+                                        </p:cTn>
+                                        <p:tgtEl>
+                                          <p:spTgt spid="20"/>
+                                        </p:tgtEl>
+                                        <p:attrNameLst>
+                                          <p:attrName>style.visibility</p:attrName>
+                                        </p:attrNameLst>
+                                      </p:cBhvr>
+                                      <p:to>
+                                        <p:strVal val="visible"/>
+                                      </p:to>
+                                    </p:set>
+                                    <p:animEffect transition="in" filter="fade">
+                                      <p:cBhvr>
+                                        <p:cTn id="32" dur="1000"/>
+                                        <p:tgtEl>
+                                          <p:spTgt spid="20"/>
+                                        </p:tgtEl>
+                                      </p:cBhvr>
+                                    </p:animEffect>
+                                    <p:anim calcmode="lin" valueType="num">
+                                      <p:cBhvr>
+                                        <p:cTn id="33" dur="1000" fill="hold"/>
+                                        <p:tgtEl>
+                                          <p:spTgt spid="20"/>
+                                        </p:tgtEl>
+                                        <p:attrNameLst>
+                                          <p:attrName>ppt_x</p:attrName>
+                                        </p:attrNameLst>
+                                      </p:cBhvr>
+                                      <p:tavLst>
+                                        <p:tav tm="0">
+                                          <p:val>
+                                            <p:strVal val="#ppt_x"/>
+                                          </p:val>
+                                        </p:tav>
+                                        <p:tav tm="100000">
+                                          <p:val>
+                                            <p:strVal val="#ppt_x"/>
+                                          </p:val>
+                                        </p:tav>
+                                      </p:tavLst>
+                                    </p:anim>
+                                    <p:anim calcmode="lin" valueType="num">
+                                      <p:cBhvr>
+                                        <p:cTn id="34" dur="1000" fill="hold"/>
+                                        <p:tgtEl>
+                                          <p:spTgt spid="20"/>
+                                        </p:tgtEl>
+                                        <p:attrNameLst>
+                                          <p:attrName>ppt_y</p:attrName>
+                                        </p:attrNameLst>
+                                      </p:cBhvr>
+                                      <p:tavLst>
+                                        <p:tav tm="0">
+                                          <p:val>
+                                            <p:strVal val="#ppt_y+.1"/>
+                                          </p:val>
+                                        </p:tav>
+                                        <p:tav tm="100000">
+                                          <p:val>
+                                            <p:strVal val="#ppt_y"/>
+                                          </p:val>
+                                        </p:tav>
+                                      </p:tavLst>
+                                    </p:anim>
+                                  </p:childTnLst>
+                                </p:cTn>
+                              </p:par>
+                              <p:par>
+                                <p:cTn id="35" presetID="42" presetClass="entr" presetSubtype="0" fill="hold" nodeType="withEffect">
+                                  <p:stCondLst>
+                                    <p:cond delay="0"/>
+                                  </p:stCondLst>
+                                  <p:childTnLst>
+                                    <p:set>
+                                      <p:cBhvr>
+                                        <p:cTn id="36" dur="1" fill="hold">
+                                          <p:stCondLst>
+                                            <p:cond delay="0"/>
+                                          </p:stCondLst>
+                                        </p:cTn>
+                                        <p:tgtEl>
+                                          <p:spTgt spid="1026"/>
+                                        </p:tgtEl>
+                                        <p:attrNameLst>
+                                          <p:attrName>style.visibility</p:attrName>
+                                        </p:attrNameLst>
+                                      </p:cBhvr>
+                                      <p:to>
+                                        <p:strVal val="visible"/>
+                                      </p:to>
+                                    </p:set>
+                                    <p:animEffect transition="in" filter="fade">
+                                      <p:cBhvr>
+                                        <p:cTn id="37" dur="1000"/>
+                                        <p:tgtEl>
+                                          <p:spTgt spid="1026"/>
+                                        </p:tgtEl>
+                                      </p:cBhvr>
+                                    </p:animEffect>
+                                    <p:anim calcmode="lin" valueType="num">
+                                      <p:cBhvr>
+                                        <p:cTn id="38" dur="1000" fill="hold"/>
+                                        <p:tgtEl>
+                                          <p:spTgt spid="1026"/>
+                                        </p:tgtEl>
+                                        <p:attrNameLst>
+                                          <p:attrName>ppt_x</p:attrName>
+                                        </p:attrNameLst>
+                                      </p:cBhvr>
+                                      <p:tavLst>
+                                        <p:tav tm="0">
+                                          <p:val>
+                                            <p:strVal val="#ppt_x"/>
+                                          </p:val>
+                                        </p:tav>
+                                        <p:tav tm="100000">
+                                          <p:val>
+                                            <p:strVal val="#ppt_x"/>
+                                          </p:val>
+                                        </p:tav>
+                                      </p:tavLst>
+                                    </p:anim>
+                                    <p:anim calcmode="lin" valueType="num">
+                                      <p:cBhvr>
+                                        <p:cTn id="39" dur="1000" fill="hold"/>
+                                        <p:tgtEl>
+                                          <p:spTgt spid="1026"/>
+                                        </p:tgtEl>
+                                        <p:attrNameLst>
+                                          <p:attrName>ppt_y</p:attrName>
+                                        </p:attrNameLst>
+                                      </p:cBhvr>
+                                      <p:tavLst>
+                                        <p:tav tm="0">
+                                          <p:val>
+                                            <p:strVal val="#ppt_y+.1"/>
+                                          </p:val>
+                                        </p:tav>
+                                        <p:tav tm="100000">
+                                          <p:val>
+                                            <p:strVal val="#ppt_y"/>
+                                          </p:val>
+                                        </p:tav>
+                                      </p:tavLst>
+                                    </p:anim>
+                                  </p:childTnLst>
+                                </p:cTn>
+                              </p:par>
+                              <p:par>
+                                <p:cTn id="40" presetID="42" presetClass="entr" presetSubtype="0" fill="hold" grpId="0" nodeType="withEffect">
+                                  <p:stCondLst>
+                                    <p:cond delay="0"/>
+                                  </p:stCondLst>
+                                  <p:childTnLst>
+                                    <p:set>
+                                      <p:cBhvr>
+                                        <p:cTn id="41" dur="1" fill="hold">
+                                          <p:stCondLst>
+                                            <p:cond delay="0"/>
+                                          </p:stCondLst>
+                                        </p:cTn>
+                                        <p:tgtEl>
+                                          <p:spTgt spid="11"/>
+                                        </p:tgtEl>
+                                        <p:attrNameLst>
+                                          <p:attrName>style.visibility</p:attrName>
+                                        </p:attrNameLst>
+                                      </p:cBhvr>
+                                      <p:to>
+                                        <p:strVal val="visible"/>
+                                      </p:to>
+                                    </p:set>
+                                    <p:animEffect transition="in" filter="fade">
+                                      <p:cBhvr>
+                                        <p:cTn id="42" dur="1000"/>
+                                        <p:tgtEl>
+                                          <p:spTgt spid="11"/>
+                                        </p:tgtEl>
+                                      </p:cBhvr>
+                                    </p:animEffect>
+                                    <p:anim calcmode="lin" valueType="num">
+                                      <p:cBhvr>
+                                        <p:cTn id="43" dur="1000" fill="hold"/>
+                                        <p:tgtEl>
+                                          <p:spTgt spid="11"/>
+                                        </p:tgtEl>
+                                        <p:attrNameLst>
+                                          <p:attrName>ppt_x</p:attrName>
+                                        </p:attrNameLst>
+                                      </p:cBhvr>
+                                      <p:tavLst>
+                                        <p:tav tm="0">
+                                          <p:val>
+                                            <p:strVal val="#ppt_x"/>
+                                          </p:val>
+                                        </p:tav>
+                                        <p:tav tm="100000">
+                                          <p:val>
+                                            <p:strVal val="#ppt_x"/>
+                                          </p:val>
+                                        </p:tav>
+                                      </p:tavLst>
+                                    </p:anim>
+                                    <p:anim calcmode="lin" valueType="num">
+                                      <p:cBhvr>
+                                        <p:cTn id="44" dur="1000" fill="hold"/>
+                                        <p:tgtEl>
+                                          <p:spTgt spid="11"/>
+                                        </p:tgtEl>
+                                        <p:attrNameLst>
+                                          <p:attrName>ppt_y</p:attrName>
+                                        </p:attrNameLst>
+                                      </p:cBhvr>
+                                      <p:tavLst>
+                                        <p:tav tm="0">
+                                          <p:val>
+                                            <p:strVal val="#ppt_y+.1"/>
+                                          </p:val>
+                                        </p:tav>
+                                        <p:tav tm="100000">
+                                          <p:val>
+                                            <p:strVal val="#ppt_y"/>
+                                          </p:val>
+                                        </p:tav>
+                                      </p:tavLst>
+                                    </p:anim>
+                                  </p:childTnLst>
+                                </p:cTn>
+                              </p:par>
+                              <p:par>
+                                <p:cTn id="45" presetID="42" presetClass="entr" presetSubtype="0" fill="hold" grpId="0" nodeType="withEffect">
+                                  <p:stCondLst>
+                                    <p:cond delay="0"/>
+                                  </p:stCondLst>
+                                  <p:childTnLst>
+                                    <p:set>
+                                      <p:cBhvr>
+                                        <p:cTn id="46" dur="1" fill="hold">
+                                          <p:stCondLst>
+                                            <p:cond delay="0"/>
+                                          </p:stCondLst>
+                                        </p:cTn>
+                                        <p:tgtEl>
+                                          <p:spTgt spid="9"/>
+                                        </p:tgtEl>
+                                        <p:attrNameLst>
+                                          <p:attrName>style.visibility</p:attrName>
+                                        </p:attrNameLst>
+                                      </p:cBhvr>
+                                      <p:to>
+                                        <p:strVal val="visible"/>
+                                      </p:to>
+                                    </p:set>
+                                    <p:animEffect transition="in" filter="fade">
+                                      <p:cBhvr>
+                                        <p:cTn id="47" dur="1000"/>
+                                        <p:tgtEl>
+                                          <p:spTgt spid="9"/>
+                                        </p:tgtEl>
+                                      </p:cBhvr>
+                                    </p:animEffect>
+                                    <p:anim calcmode="lin" valueType="num">
+                                      <p:cBhvr>
+                                        <p:cTn id="48" dur="1000" fill="hold"/>
+                                        <p:tgtEl>
+                                          <p:spTgt spid="9"/>
+                                        </p:tgtEl>
+                                        <p:attrNameLst>
+                                          <p:attrName>ppt_x</p:attrName>
+                                        </p:attrNameLst>
+                                      </p:cBhvr>
+                                      <p:tavLst>
+                                        <p:tav tm="0">
+                                          <p:val>
+                                            <p:strVal val="#ppt_x"/>
+                                          </p:val>
+                                        </p:tav>
+                                        <p:tav tm="100000">
+                                          <p:val>
+                                            <p:strVal val="#ppt_x"/>
+                                          </p:val>
+                                        </p:tav>
+                                      </p:tavLst>
+                                    </p:anim>
+                                    <p:anim calcmode="lin" valueType="num">
+                                      <p:cBhvr>
+                                        <p:cTn id="49" dur="1000" fill="hold"/>
+                                        <p:tgtEl>
+                                          <p:spTgt spid="9"/>
+                                        </p:tgtEl>
+                                        <p:attrNameLst>
+                                          <p:attrName>ppt_y</p:attrName>
+                                        </p:attrNameLst>
+                                      </p:cBhvr>
+                                      <p:tavLst>
+                                        <p:tav tm="0">
+                                          <p:val>
+                                            <p:strVal val="#ppt_y+.1"/>
+                                          </p:val>
+                                        </p:tav>
+                                        <p:tav tm="100000">
+                                          <p:val>
+                                            <p:strVal val="#ppt_y"/>
+                                          </p:val>
+                                        </p:tav>
+                                      </p:tavLst>
+                                    </p:anim>
+                                  </p:childTnLst>
+                                </p:cTn>
+                              </p:par>
+                              <p:par>
+                                <p:cTn id="50" presetID="42" presetClass="entr" presetSubtype="0" fill="hold" grpId="0" nodeType="withEffect">
+                                  <p:stCondLst>
+                                    <p:cond delay="0"/>
+                                  </p:stCondLst>
+                                  <p:childTnLst>
+                                    <p:set>
+                                      <p:cBhvr>
+                                        <p:cTn id="51" dur="1" fill="hold">
+                                          <p:stCondLst>
+                                            <p:cond delay="0"/>
+                                          </p:stCondLst>
+                                        </p:cTn>
+                                        <p:tgtEl>
+                                          <p:spTgt spid="12"/>
+                                        </p:tgtEl>
+                                        <p:attrNameLst>
+                                          <p:attrName>style.visibility</p:attrName>
+                                        </p:attrNameLst>
+                                      </p:cBhvr>
+                                      <p:to>
+                                        <p:strVal val="visible"/>
+                                      </p:to>
+                                    </p:set>
+                                    <p:animEffect transition="in" filter="fade">
+                                      <p:cBhvr>
+                                        <p:cTn id="52" dur="1000"/>
+                                        <p:tgtEl>
+                                          <p:spTgt spid="12"/>
+                                        </p:tgtEl>
+                                      </p:cBhvr>
+                                    </p:animEffect>
+                                    <p:anim calcmode="lin" valueType="num">
+                                      <p:cBhvr>
+                                        <p:cTn id="53" dur="1000" fill="hold"/>
+                                        <p:tgtEl>
+                                          <p:spTgt spid="12"/>
+                                        </p:tgtEl>
+                                        <p:attrNameLst>
+                                          <p:attrName>ppt_x</p:attrName>
+                                        </p:attrNameLst>
+                                      </p:cBhvr>
+                                      <p:tavLst>
+                                        <p:tav tm="0">
+                                          <p:val>
+                                            <p:strVal val="#ppt_x"/>
+                                          </p:val>
+                                        </p:tav>
+                                        <p:tav tm="100000">
+                                          <p:val>
+                                            <p:strVal val="#ppt_x"/>
+                                          </p:val>
+                                        </p:tav>
+                                      </p:tavLst>
+                                    </p:anim>
+                                    <p:anim calcmode="lin" valueType="num">
+                                      <p:cBhvr>
+                                        <p:cTn id="54" dur="1000" fill="hold"/>
+                                        <p:tgtEl>
+                                          <p:spTgt spid="12"/>
+                                        </p:tgtEl>
+                                        <p:attrNameLst>
+                                          <p:attrName>ppt_y</p:attrName>
+                                        </p:attrNameLst>
+                                      </p:cBhvr>
+                                      <p:tavLst>
+                                        <p:tav tm="0">
+                                          <p:val>
+                                            <p:strVal val="#ppt_y+.1"/>
+                                          </p:val>
+                                        </p:tav>
+                                        <p:tav tm="100000">
+                                          <p:val>
+                                            <p:strVal val="#ppt_y"/>
+                                          </p:val>
+                                        </p:tav>
+                                      </p:tavLst>
+                                    </p:anim>
+                                  </p:childTnLst>
+                                </p:cTn>
+                              </p:par>
+                            </p:childTnLst>
+                          </p:cTn>
+                        </p:par>
+                      </p:childTnLst>
+                    </p:cTn>
+                  </p:par>
                 </p:childTnLst>
               </p:cTn>
               <p:prevCondLst>
@@ -15966,12 +17934,17 @@
     </p:tnLst>
     <p:bldLst>
       <p:bldP spid="4" grpId="0"/>
+      <p:bldP spid="8" grpId="0"/>
+      <p:bldP spid="9" grpId="0"/>
+      <p:bldP spid="10" grpId="0"/>
+      <p:bldP spid="11" grpId="0"/>
+      <p:bldP spid="12" grpId="0"/>
     </p:bldLst>
   </p:timing>
 </p:sld>
 </file>
 
-<file path=ppt/slides/slide12.xml><?xml version="1.0" encoding="utf-8"?>
+<file path=ppt/slides/slide13.xml><?xml version="1.0" encoding="utf-8"?>
 <p:sld xmlns:a="http://schemas.openxmlformats.org/drawingml/2006/main" xmlns:r="http://schemas.openxmlformats.org/officeDocument/2006/relationships" xmlns:p="http://schemas.openxmlformats.org/presentationml/2006/main">
   <p:cSld>
     <p:bg>
@@ -17119,7 +19092,7 @@
                   <a:spcPts val="600"/>
                 </a:spcAft>
               </a:pPr>
-              <a:t>12</a:t>
+              <a:t>13</a:t>
             </a:fld>
             <a:endParaRPr lang="en-US">
               <a:solidFill>
@@ -17228,6 +19201,212 @@
 </file>
 
 <file path=ppt/slides/slide2.xml><?xml version="1.0" encoding="utf-8"?>
+<p:sld xmlns:a="http://schemas.openxmlformats.org/drawingml/2006/main" xmlns:r="http://schemas.openxmlformats.org/officeDocument/2006/relationships" xmlns:p="http://schemas.openxmlformats.org/presentationml/2006/main">
+  <p:cSld>
+    <p:spTree>
+      <p:nvGrpSpPr>
+        <p:cNvPr id="1" name=""/>
+        <p:cNvGrpSpPr/>
+        <p:nvPr/>
+      </p:nvGrpSpPr>
+      <p:grpSpPr>
+        <a:xfrm>
+          <a:off x="0" y="0"/>
+          <a:ext cx="0" cy="0"/>
+          <a:chOff x="0" y="0"/>
+          <a:chExt cx="0" cy="0"/>
+        </a:xfrm>
+      </p:grpSpPr>
+      <p:pic>
+        <p:nvPicPr>
+          <p:cNvPr id="6" name="Picture 5" descr="A picture containing text, person, indoor, beverage&#10;&#10;Description automatically generated">
+            <a:extLst>
+              <a:ext uri="{FF2B5EF4-FFF2-40B4-BE49-F238E27FC236}">
+                <a16:creationId xmlns:a16="http://schemas.microsoft.com/office/drawing/2014/main" id="{725D923E-74E8-4147-A5C1-FA9362ABBB8E}"/>
+              </a:ext>
+            </a:extLst>
+          </p:cNvPr>
+          <p:cNvPicPr>
+            <a:picLocks noChangeAspect="1"/>
+          </p:cNvPicPr>
+          <p:nvPr/>
+        </p:nvPicPr>
+        <p:blipFill rotWithShape="1">
+          <a:blip r:embed="rId2"/>
+          <a:srcRect b="7575"/>
+          <a:stretch/>
+        </p:blipFill>
+        <p:spPr>
+          <a:xfrm>
+            <a:off x="20" y="10"/>
+            <a:ext cx="12191980" cy="6310302"/>
+          </a:xfrm>
+          <a:custGeom>
+            <a:avLst/>
+            <a:gdLst/>
+            <a:ahLst/>
+            <a:cxnLst/>
+            <a:rect l="l" t="t" r="r" b="b"/>
+            <a:pathLst>
+              <a:path w="12192000" h="6310312">
+                <a:moveTo>
+                  <a:pt x="0" y="0"/>
+                </a:moveTo>
+                <a:lnTo>
+                  <a:pt x="12192000" y="0"/>
+                </a:lnTo>
+                <a:lnTo>
+                  <a:pt x="12192000" y="6310312"/>
+                </a:lnTo>
+                <a:lnTo>
+                  <a:pt x="0" y="6310312"/>
+                </a:lnTo>
+                <a:close/>
+              </a:path>
+            </a:pathLst>
+          </a:custGeom>
+        </p:spPr>
+      </p:pic>
+      <p:sp>
+        <p:nvSpPr>
+          <p:cNvPr id="2" name="Date Placeholder 1">
+            <a:extLst>
+              <a:ext uri="{FF2B5EF4-FFF2-40B4-BE49-F238E27FC236}">
+                <a16:creationId xmlns:a16="http://schemas.microsoft.com/office/drawing/2014/main" id="{A82ADF8D-FCC6-4A09-AAF2-B22661F1C412}"/>
+              </a:ext>
+            </a:extLst>
+          </p:cNvPr>
+          <p:cNvSpPr>
+            <a:spLocks noGrp="1"/>
+          </p:cNvSpPr>
+          <p:nvPr>
+            <p:ph type="dt" sz="half" idx="10"/>
+          </p:nvPr>
+        </p:nvSpPr>
+        <p:spPr>
+          <a:xfrm>
+            <a:off x="550863" y="6507212"/>
+            <a:ext cx="2628900" cy="153888"/>
+          </a:xfrm>
+        </p:spPr>
+        <p:txBody>
+          <a:bodyPr>
+            <a:normAutofit/>
+          </a:bodyPr>
+          <a:lstStyle/>
+          <a:p>
+            <a:pPr>
+              <a:spcAft>
+                <a:spcPts val="600"/>
+              </a:spcAft>
+            </a:pPr>
+            <a:r>
+              <a:rPr lang="en-US"/>
+              <a:t>Wednesday March 17, 2021</a:t>
+            </a:r>
+          </a:p>
+        </p:txBody>
+      </p:sp>
+      <p:sp>
+        <p:nvSpPr>
+          <p:cNvPr id="3" name="Footer Placeholder 2">
+            <a:extLst>
+              <a:ext uri="{FF2B5EF4-FFF2-40B4-BE49-F238E27FC236}">
+                <a16:creationId xmlns:a16="http://schemas.microsoft.com/office/drawing/2014/main" id="{3B5457C4-D4F6-4E18-9BCB-363A2DECC17E}"/>
+              </a:ext>
+            </a:extLst>
+          </p:cNvPr>
+          <p:cNvSpPr>
+            <a:spLocks noGrp="1"/>
+          </p:cNvSpPr>
+          <p:nvPr>
+            <p:ph type="ftr" sz="quarter" idx="11"/>
+          </p:nvPr>
+        </p:nvSpPr>
+        <p:spPr>
+          <a:xfrm>
+            <a:off x="3359150" y="6507212"/>
+            <a:ext cx="6379210" cy="153888"/>
+          </a:xfrm>
+        </p:spPr>
+        <p:txBody>
+          <a:bodyPr>
+            <a:normAutofit/>
+          </a:bodyPr>
+          <a:lstStyle/>
+          <a:p>
+            <a:pPr>
+              <a:spcAft>
+                <a:spcPts val="600"/>
+              </a:spcAft>
+            </a:pPr>
+            <a:r>
+              <a:rPr lang="en-US"/>
+              <a:t>https://github.com/jenmusdat/BeerMachineLearning</a:t>
+            </a:r>
+          </a:p>
+        </p:txBody>
+      </p:sp>
+      <p:sp>
+        <p:nvSpPr>
+          <p:cNvPr id="4" name="Slide Number Placeholder 3">
+            <a:extLst>
+              <a:ext uri="{FF2B5EF4-FFF2-40B4-BE49-F238E27FC236}">
+                <a16:creationId xmlns:a16="http://schemas.microsoft.com/office/drawing/2014/main" id="{1D0E98AC-DBE2-4B5A-AD8F-94FD11320F71}"/>
+              </a:ext>
+            </a:extLst>
+          </p:cNvPr>
+          <p:cNvSpPr>
+            <a:spLocks noGrp="1"/>
+          </p:cNvSpPr>
+          <p:nvPr>
+            <p:ph type="sldNum" sz="quarter" idx="12"/>
+          </p:nvPr>
+        </p:nvSpPr>
+        <p:spPr>
+          <a:xfrm>
+            <a:off x="9948863" y="6507212"/>
+            <a:ext cx="1692274" cy="153888"/>
+          </a:xfrm>
+        </p:spPr>
+        <p:txBody>
+          <a:bodyPr>
+            <a:normAutofit/>
+          </a:bodyPr>
+          <a:lstStyle/>
+          <a:p>
+            <a:pPr>
+              <a:spcAft>
+                <a:spcPts val="600"/>
+              </a:spcAft>
+            </a:pPr>
+            <a:fld id="{DBA1B0FB-D917-4C8C-928F-313BD683BF39}" type="slidenum">
+              <a:rPr lang="en-US" smtClean="0"/>
+              <a:pPr>
+                <a:spcAft>
+                  <a:spcPts val="600"/>
+                </a:spcAft>
+              </a:pPr>
+              <a:t>2</a:t>
+            </a:fld>
+            <a:endParaRPr lang="en-US"/>
+          </a:p>
+        </p:txBody>
+      </p:sp>
+    </p:spTree>
+    <p:extLst>
+      <p:ext uri="{BB962C8B-B14F-4D97-AF65-F5344CB8AC3E}">
+        <p14:creationId xmlns:p14="http://schemas.microsoft.com/office/powerpoint/2010/main" val="1951904419"/>
+      </p:ext>
+    </p:extLst>
+  </p:cSld>
+  <p:clrMapOvr>
+    <a:masterClrMapping/>
+  </p:clrMapOvr>
+</p:sld>
+</file>
+
+<file path=ppt/slides/slide3.xml><?xml version="1.0" encoding="utf-8"?>
 <p:sld xmlns:a="http://schemas.openxmlformats.org/drawingml/2006/main" xmlns:r="http://schemas.openxmlformats.org/officeDocument/2006/relationships" xmlns:p="http://schemas.openxmlformats.org/presentationml/2006/main">
   <p:cSld>
     <p:bg>
@@ -18382,7 +20561,7 @@
                   <a:spcPts val="600"/>
                 </a:spcAft>
               </a:pPr>
-              <a:t>2</a:t>
+              <a:t>3</a:t>
             </a:fld>
             <a:endParaRPr lang="en-US">
               <a:solidFill>
@@ -18552,7 +20731,7 @@
 </p:sld>
 </file>
 
-<file path=ppt/slides/slide3.xml><?xml version="1.0" encoding="utf-8"?>
+<file path=ppt/slides/slide4.xml><?xml version="1.0" encoding="utf-8"?>
 <p:sld xmlns:a="http://schemas.openxmlformats.org/drawingml/2006/main" xmlns:r="http://schemas.openxmlformats.org/officeDocument/2006/relationships" xmlns:p="http://schemas.openxmlformats.org/presentationml/2006/main">
   <p:cSld>
     <p:bg>
@@ -19574,7 +21753,7 @@
           <a:p>
             <a:fld id="{DBA1B0FB-D917-4C8C-928F-313BD683BF39}" type="slidenum">
               <a:rPr lang="en-US" smtClean="0"/>
-              <a:t>3</a:t>
+              <a:t>4</a:t>
             </a:fld>
             <a:endParaRPr lang="en-US"/>
           </a:p>
@@ -20516,7 +22695,7 @@
 </p:sld>
 </file>
 
-<file path=ppt/slides/slide4.xml><?xml version="1.0" encoding="utf-8"?>
+<file path=ppt/slides/slide5.xml><?xml version="1.0" encoding="utf-8"?>
 <p:sld xmlns:a="http://schemas.openxmlformats.org/drawingml/2006/main" xmlns:r="http://schemas.openxmlformats.org/officeDocument/2006/relationships" xmlns:p="http://schemas.openxmlformats.org/presentationml/2006/main">
   <p:cSld>
     <p:spTree>
@@ -20643,7 +22822,7 @@
           <a:p>
             <a:fld id="{DBA1B0FB-D917-4C8C-928F-313BD683BF39}" type="slidenum">
               <a:rPr lang="en-US" smtClean="0"/>
-              <a:t>4</a:t>
+              <a:t>5</a:t>
             </a:fld>
             <a:endParaRPr lang="en-US"/>
           </a:p>
@@ -20704,7 +22883,7 @@
 </p:sld>
 </file>
 
-<file path=ppt/slides/slide5.xml><?xml version="1.0" encoding="utf-8"?>
+<file path=ppt/slides/slide6.xml><?xml version="1.0" encoding="utf-8"?>
 <p:sld xmlns:a="http://schemas.openxmlformats.org/drawingml/2006/main" xmlns:r="http://schemas.openxmlformats.org/officeDocument/2006/relationships" xmlns:p="http://schemas.openxmlformats.org/presentationml/2006/main">
   <p:cSld>
     <p:spTree>
@@ -21013,7 +23192,7 @@
           <a:p>
             <a:fld id="{DBA1B0FB-D917-4C8C-928F-313BD683BF39}" type="slidenum">
               <a:rPr lang="en-US" smtClean="0"/>
-              <a:t>5</a:t>
+              <a:t>6</a:t>
             </a:fld>
             <a:endParaRPr lang="en-US"/>
           </a:p>
@@ -22861,7 +25040,7 @@
 </p:sld>
 </file>
 
-<file path=ppt/slides/slide6.xml><?xml version="1.0" encoding="utf-8"?>
+<file path=ppt/slides/slide7.xml><?xml version="1.0" encoding="utf-8"?>
 <p:sld xmlns:a="http://schemas.openxmlformats.org/drawingml/2006/main" xmlns:r="http://schemas.openxmlformats.org/officeDocument/2006/relationships" xmlns:p="http://schemas.openxmlformats.org/presentationml/2006/main">
   <p:cSld>
     <p:bg>
@@ -22999,7 +25178,7 @@
           <a:p>
             <a:fld id="{DBA1B0FB-D917-4C8C-928F-313BD683BF39}" type="slidenum">
               <a:rPr lang="en-US" smtClean="0"/>
-              <a:t>6</a:t>
+              <a:t>7</a:t>
             </a:fld>
             <a:endParaRPr lang="en-US"/>
           </a:p>
@@ -23347,7 +25526,7 @@
 </p:sld>
 </file>
 
-<file path=ppt/slides/slide7.xml><?xml version="1.0" encoding="utf-8"?>
+<file path=ppt/slides/slide8.xml><?xml version="1.0" encoding="utf-8"?>
 <p:sld xmlns:a="http://schemas.openxmlformats.org/drawingml/2006/main" xmlns:r="http://schemas.openxmlformats.org/officeDocument/2006/relationships" xmlns:p="http://schemas.openxmlformats.org/presentationml/2006/main">
   <p:cSld>
     <p:spTree>
@@ -24352,7 +26531,7 @@
             <a:fld id="{DBA1B0FB-D917-4C8C-928F-313BD683BF39}" type="slidenum">
               <a:rPr lang="en-US" smtClean="0"/>
               <a:pPr/>
-              <a:t>7</a:t>
+              <a:t>8</a:t>
             </a:fld>
             <a:endParaRPr lang="en-US"/>
           </a:p>
@@ -24730,7 +26909,7 @@
 </p:sld>
 </file>
 
-<file path=ppt/slides/slide8.xml><?xml version="1.0" encoding="utf-8"?>
+<file path=ppt/slides/slide9.xml><?xml version="1.0" encoding="utf-8"?>
 <p:sld xmlns:a="http://schemas.openxmlformats.org/drawingml/2006/main" xmlns:r="http://schemas.openxmlformats.org/officeDocument/2006/relationships" xmlns:p="http://schemas.openxmlformats.org/presentationml/2006/main">
   <p:cSld>
     <p:bg>
@@ -25824,7 +28003,7 @@
                   <a:spcPts val="600"/>
                 </a:spcAft>
               </a:pPr>
-              <a:t>8</a:t>
+              <a:t>9</a:t>
             </a:fld>
             <a:endParaRPr lang="en-US">
               <a:solidFill>
@@ -25964,1307 +28143,6 @@
   <p:clrMapOvr>
     <a:masterClrMapping/>
   </p:clrMapOvr>
-</p:sld>
-</file>
-
-<file path=ppt/slides/slide9.xml><?xml version="1.0" encoding="utf-8"?>
-<p:sld xmlns:a="http://schemas.openxmlformats.org/drawingml/2006/main" xmlns:r="http://schemas.openxmlformats.org/officeDocument/2006/relationships" xmlns:p="http://schemas.openxmlformats.org/presentationml/2006/main">
-  <p:cSld>
-    <p:spTree>
-      <p:nvGrpSpPr>
-        <p:cNvPr id="1" name=""/>
-        <p:cNvGrpSpPr/>
-        <p:nvPr/>
-      </p:nvGrpSpPr>
-      <p:grpSpPr>
-        <a:xfrm>
-          <a:off x="0" y="0"/>
-          <a:ext cx="0" cy="0"/>
-          <a:chOff x="0" y="0"/>
-          <a:chExt cx="0" cy="0"/>
-        </a:xfrm>
-      </p:grpSpPr>
-      <p:sp>
-        <p:nvSpPr>
-          <p:cNvPr id="10" name="Title 9">
-            <a:extLst>
-              <a:ext uri="{FF2B5EF4-FFF2-40B4-BE49-F238E27FC236}">
-                <a16:creationId xmlns:a16="http://schemas.microsoft.com/office/drawing/2014/main" id="{11141A23-3245-413B-A849-2D9D2E484676}"/>
-              </a:ext>
-            </a:extLst>
-          </p:cNvPr>
-          <p:cNvSpPr>
-            <a:spLocks noGrp="1"/>
-          </p:cNvSpPr>
-          <p:nvPr>
-            <p:ph type="title"/>
-          </p:nvPr>
-        </p:nvSpPr>
-        <p:spPr/>
-        <p:txBody>
-          <a:bodyPr/>
-          <a:lstStyle/>
-          <a:p>
-            <a:r>
-              <a:rPr lang="en-US" dirty="0"/>
-              <a:t>Results</a:t>
-            </a:r>
-          </a:p>
-        </p:txBody>
-      </p:sp>
-      <p:sp>
-        <p:nvSpPr>
-          <p:cNvPr id="11" name="Text Placeholder 10">
-            <a:extLst>
-              <a:ext uri="{FF2B5EF4-FFF2-40B4-BE49-F238E27FC236}">
-                <a16:creationId xmlns:a16="http://schemas.microsoft.com/office/drawing/2014/main" id="{C252BADD-8097-43DD-9FB7-8BDFCF1A56DE}"/>
-              </a:ext>
-            </a:extLst>
-          </p:cNvPr>
-          <p:cNvSpPr>
-            <a:spLocks noGrp="1"/>
-          </p:cNvSpPr>
-          <p:nvPr>
-            <p:ph type="body" idx="1"/>
-          </p:nvPr>
-        </p:nvSpPr>
-        <p:spPr>
-          <a:xfrm>
-            <a:off x="550859" y="1215275"/>
-            <a:ext cx="5437186" cy="535354"/>
-          </a:xfrm>
-        </p:spPr>
-        <p:txBody>
-          <a:bodyPr/>
-          <a:lstStyle/>
-          <a:p>
-            <a:r>
-              <a:rPr lang="en-US" dirty="0"/>
-              <a:t>Two Dimensional</a:t>
-            </a:r>
-          </a:p>
-        </p:txBody>
-      </p:sp>
-      <p:pic>
-        <p:nvPicPr>
-          <p:cNvPr id="30" name="Content Placeholder 29" descr="Chart, scatter chart&#10;&#10;Description automatically generated">
-            <a:extLst>
-              <a:ext uri="{FF2B5EF4-FFF2-40B4-BE49-F238E27FC236}">
-                <a16:creationId xmlns:a16="http://schemas.microsoft.com/office/drawing/2014/main" id="{B5AE11C4-2F61-4B1A-AB66-3025FDE7F60A}"/>
-              </a:ext>
-            </a:extLst>
-          </p:cNvPr>
-          <p:cNvPicPr>
-            <a:picLocks noGrp="1" noChangeAspect="1"/>
-          </p:cNvPicPr>
-          <p:nvPr>
-            <p:ph sz="half" idx="2"/>
-          </p:nvPr>
-        </p:nvPicPr>
-        <p:blipFill>
-          <a:blip r:embed="rId2"/>
-          <a:stretch>
-            <a:fillRect/>
-          </a:stretch>
-        </p:blipFill>
-        <p:spPr>
-          <a:xfrm>
-            <a:off x="569900" y="2427288"/>
-            <a:ext cx="5391176" cy="3516312"/>
-          </a:xfrm>
-        </p:spPr>
-      </p:pic>
-      <p:sp>
-        <p:nvSpPr>
-          <p:cNvPr id="13" name="Text Placeholder 12">
-            <a:extLst>
-              <a:ext uri="{FF2B5EF4-FFF2-40B4-BE49-F238E27FC236}">
-                <a16:creationId xmlns:a16="http://schemas.microsoft.com/office/drawing/2014/main" id="{0859A9BC-4D8F-488D-AF3A-8FF9C6DE9123}"/>
-              </a:ext>
-            </a:extLst>
-          </p:cNvPr>
-          <p:cNvSpPr>
-            <a:spLocks noGrp="1"/>
-          </p:cNvSpPr>
-          <p:nvPr>
-            <p:ph type="body" sz="quarter" idx="3"/>
-          </p:nvPr>
-        </p:nvSpPr>
-        <p:spPr>
-          <a:xfrm>
-            <a:off x="6212024" y="1862489"/>
-            <a:ext cx="5436392" cy="404239"/>
-          </a:xfrm>
-        </p:spPr>
-        <p:txBody>
-          <a:bodyPr/>
-          <a:lstStyle/>
-          <a:p>
-            <a:r>
-              <a:rPr lang="en-US" dirty="0"/>
-              <a:t>Cosine distance = 0.2235</a:t>
-            </a:r>
-          </a:p>
-        </p:txBody>
-      </p:sp>
-      <p:pic>
-        <p:nvPicPr>
-          <p:cNvPr id="32" name="Content Placeholder 31" descr="Chart, scatter chart&#10;&#10;Description automatically generated">
-            <a:extLst>
-              <a:ext uri="{FF2B5EF4-FFF2-40B4-BE49-F238E27FC236}">
-                <a16:creationId xmlns:a16="http://schemas.microsoft.com/office/drawing/2014/main" id="{45712531-E93C-4F74-B5D7-6D877DC0E158}"/>
-              </a:ext>
-            </a:extLst>
-          </p:cNvPr>
-          <p:cNvPicPr>
-            <a:picLocks noGrp="1" noChangeAspect="1"/>
-          </p:cNvPicPr>
-          <p:nvPr>
-            <p:ph sz="quarter" idx="4"/>
-          </p:nvPr>
-        </p:nvPicPr>
-        <p:blipFill>
-          <a:blip r:embed="rId3"/>
-          <a:stretch>
-            <a:fillRect/>
-          </a:stretch>
-        </p:blipFill>
-        <p:spPr>
-          <a:xfrm>
-            <a:off x="6212024" y="2426695"/>
-            <a:ext cx="4997835" cy="3516312"/>
-          </a:xfrm>
-        </p:spPr>
-      </p:pic>
-      <p:sp>
-        <p:nvSpPr>
-          <p:cNvPr id="7" name="Date Placeholder 6">
-            <a:extLst>
-              <a:ext uri="{FF2B5EF4-FFF2-40B4-BE49-F238E27FC236}">
-                <a16:creationId xmlns:a16="http://schemas.microsoft.com/office/drawing/2014/main" id="{6C9769B6-7D27-4AAD-B7F1-024D10E1C336}"/>
-              </a:ext>
-            </a:extLst>
-          </p:cNvPr>
-          <p:cNvSpPr>
-            <a:spLocks noGrp="1"/>
-          </p:cNvSpPr>
-          <p:nvPr>
-            <p:ph type="dt" sz="half" idx="10"/>
-          </p:nvPr>
-        </p:nvSpPr>
-        <p:spPr/>
-        <p:txBody>
-          <a:bodyPr/>
-          <a:lstStyle/>
-          <a:p>
-            <a:r>
-              <a:rPr lang="en-US"/>
-              <a:t>Wednesday March 17, 2021</a:t>
-            </a:r>
-          </a:p>
-        </p:txBody>
-      </p:sp>
-      <p:sp>
-        <p:nvSpPr>
-          <p:cNvPr id="8" name="Footer Placeholder 7">
-            <a:extLst>
-              <a:ext uri="{FF2B5EF4-FFF2-40B4-BE49-F238E27FC236}">
-                <a16:creationId xmlns:a16="http://schemas.microsoft.com/office/drawing/2014/main" id="{C7026285-04C5-4037-8761-F916E119F47E}"/>
-              </a:ext>
-            </a:extLst>
-          </p:cNvPr>
-          <p:cNvSpPr>
-            <a:spLocks noGrp="1"/>
-          </p:cNvSpPr>
-          <p:nvPr>
-            <p:ph type="ftr" sz="quarter" idx="11"/>
-          </p:nvPr>
-        </p:nvSpPr>
-        <p:spPr/>
-        <p:txBody>
-          <a:bodyPr/>
-          <a:lstStyle/>
-          <a:p>
-            <a:r>
-              <a:rPr lang="en-US"/>
-              <a:t>https://github.com/jenmusdat/BeerMachineLearning</a:t>
-            </a:r>
-          </a:p>
-        </p:txBody>
-      </p:sp>
-      <p:sp>
-        <p:nvSpPr>
-          <p:cNvPr id="9" name="Slide Number Placeholder 8">
-            <a:extLst>
-              <a:ext uri="{FF2B5EF4-FFF2-40B4-BE49-F238E27FC236}">
-                <a16:creationId xmlns:a16="http://schemas.microsoft.com/office/drawing/2014/main" id="{6CDFEF72-70D2-4584-82FF-A79B4781D983}"/>
-              </a:ext>
-            </a:extLst>
-          </p:cNvPr>
-          <p:cNvSpPr>
-            <a:spLocks noGrp="1"/>
-          </p:cNvSpPr>
-          <p:nvPr>
-            <p:ph type="sldNum" sz="quarter" idx="12"/>
-          </p:nvPr>
-        </p:nvSpPr>
-        <p:spPr/>
-        <p:txBody>
-          <a:bodyPr/>
-          <a:lstStyle/>
-          <a:p>
-            <a:fld id="{DBA1B0FB-D917-4C8C-928F-313BD683BF39}" type="slidenum">
-              <a:rPr lang="en-US" smtClean="0"/>
-              <a:t>9</a:t>
-            </a:fld>
-            <a:endParaRPr lang="en-US"/>
-          </a:p>
-        </p:txBody>
-      </p:sp>
-      <p:sp>
-        <p:nvSpPr>
-          <p:cNvPr id="15" name="Text Placeholder 10">
-            <a:extLst>
-              <a:ext uri="{FF2B5EF4-FFF2-40B4-BE49-F238E27FC236}">
-                <a16:creationId xmlns:a16="http://schemas.microsoft.com/office/drawing/2014/main" id="{8151D13B-337F-464B-87F0-8EA3C048DF27}"/>
-              </a:ext>
-            </a:extLst>
-          </p:cNvPr>
-          <p:cNvSpPr txBox="1">
-            <a:spLocks/>
-          </p:cNvSpPr>
-          <p:nvPr/>
-        </p:nvSpPr>
-        <p:spPr>
-          <a:xfrm>
-            <a:off x="542791" y="1731375"/>
-            <a:ext cx="5437186" cy="535354"/>
-          </a:xfrm>
-          <a:prstGeom prst="rect">
-            <a:avLst/>
-          </a:prstGeom>
-        </p:spPr>
-        <p:txBody>
-          <a:bodyPr vert="horz" wrap="square" lIns="0" tIns="0" rIns="0" bIns="0" rtlCol="0" anchor="b">
-            <a:noAutofit/>
-          </a:bodyPr>
-          <a:lstStyle>
-            <a:lvl1pPr marL="0" indent="0" algn="l" defTabSz="914400" rtl="0" eaLnBrk="1" latinLnBrk="0" hangingPunct="1">
-              <a:lnSpc>
-                <a:spcPct val="110000"/>
-              </a:lnSpc>
-              <a:spcBef>
-                <a:spcPts val="1000"/>
-              </a:spcBef>
-              <a:spcAft>
-                <a:spcPts val="800"/>
-              </a:spcAft>
-              <a:buFont typeface="Arial" panose="020B0604020202020204" pitchFamily="34" charset="0"/>
-              <a:buNone/>
-              <a:defRPr sz="1400" b="0" kern="1200" cap="all" spc="200" baseline="0">
-                <a:solidFill>
-                  <a:schemeClr val="tx1"/>
-                </a:solidFill>
-                <a:latin typeface="+mn-lt"/>
-                <a:ea typeface="+mn-ea"/>
-                <a:cs typeface="+mn-cs"/>
-              </a:defRPr>
-            </a:lvl1pPr>
-            <a:lvl2pPr marL="457200" indent="0" algn="l" defTabSz="914400" rtl="0" eaLnBrk="1" latinLnBrk="0" hangingPunct="1">
-              <a:lnSpc>
-                <a:spcPct val="110000"/>
-              </a:lnSpc>
-              <a:spcBef>
-                <a:spcPts val="500"/>
-              </a:spcBef>
-              <a:spcAft>
-                <a:spcPts val="800"/>
-              </a:spcAft>
-              <a:buFont typeface="Arial" panose="020B0604020202020204" pitchFamily="34" charset="0"/>
-              <a:buNone/>
-              <a:defRPr sz="2000" b="1" kern="1200">
-                <a:solidFill>
-                  <a:schemeClr val="tx1">
-                    <a:alpha val="60000"/>
-                  </a:schemeClr>
-                </a:solidFill>
-                <a:latin typeface="+mn-lt"/>
-                <a:ea typeface="+mn-ea"/>
-                <a:cs typeface="+mn-cs"/>
-              </a:defRPr>
-            </a:lvl2pPr>
-            <a:lvl3pPr marL="914400" indent="0" algn="l" defTabSz="914400" rtl="0" eaLnBrk="1" latinLnBrk="0" hangingPunct="1">
-              <a:lnSpc>
-                <a:spcPct val="110000"/>
-              </a:lnSpc>
-              <a:spcBef>
-                <a:spcPts val="500"/>
-              </a:spcBef>
-              <a:spcAft>
-                <a:spcPts val="800"/>
-              </a:spcAft>
-              <a:buFont typeface="Arial" panose="020B0604020202020204" pitchFamily="34" charset="0"/>
-              <a:buNone/>
-              <a:defRPr sz="1800" b="1" kern="1200">
-                <a:solidFill>
-                  <a:schemeClr val="tx1">
-                    <a:alpha val="60000"/>
-                  </a:schemeClr>
-                </a:solidFill>
-                <a:latin typeface="+mn-lt"/>
-                <a:ea typeface="+mn-ea"/>
-                <a:cs typeface="+mn-cs"/>
-              </a:defRPr>
-            </a:lvl3pPr>
-            <a:lvl4pPr marL="1371600" indent="0" algn="l" defTabSz="914400" rtl="0" eaLnBrk="1" latinLnBrk="0" hangingPunct="1">
-              <a:lnSpc>
-                <a:spcPct val="110000"/>
-              </a:lnSpc>
-              <a:spcBef>
-                <a:spcPts val="500"/>
-              </a:spcBef>
-              <a:spcAft>
-                <a:spcPts val="800"/>
-              </a:spcAft>
-              <a:buFont typeface="Arial" panose="020B0604020202020204" pitchFamily="34" charset="0"/>
-              <a:buNone/>
-              <a:defRPr sz="1600" b="1" kern="1200">
-                <a:solidFill>
-                  <a:schemeClr val="tx1">
-                    <a:alpha val="60000"/>
-                  </a:schemeClr>
-                </a:solidFill>
-                <a:latin typeface="+mn-lt"/>
-                <a:ea typeface="+mn-ea"/>
-                <a:cs typeface="+mn-cs"/>
-              </a:defRPr>
-            </a:lvl4pPr>
-            <a:lvl5pPr marL="1828800" indent="0" algn="l" defTabSz="914400" rtl="0" eaLnBrk="1" latinLnBrk="0" hangingPunct="1">
-              <a:lnSpc>
-                <a:spcPct val="110000"/>
-              </a:lnSpc>
-              <a:spcBef>
-                <a:spcPts val="500"/>
-              </a:spcBef>
-              <a:spcAft>
-                <a:spcPts val="800"/>
-              </a:spcAft>
-              <a:buFont typeface="Arial" panose="020B0604020202020204" pitchFamily="34" charset="0"/>
-              <a:buNone/>
-              <a:defRPr sz="1600" b="1" kern="1200">
-                <a:solidFill>
-                  <a:schemeClr val="tx1">
-                    <a:alpha val="60000"/>
-                  </a:schemeClr>
-                </a:solidFill>
-                <a:latin typeface="+mn-lt"/>
-                <a:ea typeface="+mn-ea"/>
-                <a:cs typeface="+mn-cs"/>
-              </a:defRPr>
-            </a:lvl5pPr>
-            <a:lvl6pPr marL="2286000" indent="0" algn="l" defTabSz="914400" rtl="0" eaLnBrk="1" latinLnBrk="0" hangingPunct="1">
-              <a:lnSpc>
-                <a:spcPct val="90000"/>
-              </a:lnSpc>
-              <a:spcBef>
-                <a:spcPts val="500"/>
-              </a:spcBef>
-              <a:buFont typeface="Arial" panose="020B0604020202020204" pitchFamily="34" charset="0"/>
-              <a:buNone/>
-              <a:defRPr sz="1600" b="1" kern="1200">
-                <a:solidFill>
-                  <a:schemeClr val="tx1"/>
-                </a:solidFill>
-                <a:latin typeface="+mn-lt"/>
-                <a:ea typeface="+mn-ea"/>
-                <a:cs typeface="+mn-cs"/>
-              </a:defRPr>
-            </a:lvl6pPr>
-            <a:lvl7pPr marL="2743200" indent="0" algn="l" defTabSz="914400" rtl="0" eaLnBrk="1" latinLnBrk="0" hangingPunct="1">
-              <a:lnSpc>
-                <a:spcPct val="90000"/>
-              </a:lnSpc>
-              <a:spcBef>
-                <a:spcPts val="500"/>
-              </a:spcBef>
-              <a:buFont typeface="Arial" panose="020B0604020202020204" pitchFamily="34" charset="0"/>
-              <a:buNone/>
-              <a:defRPr sz="1600" b="1" kern="1200">
-                <a:solidFill>
-                  <a:schemeClr val="tx1"/>
-                </a:solidFill>
-                <a:latin typeface="+mn-lt"/>
-                <a:ea typeface="+mn-ea"/>
-                <a:cs typeface="+mn-cs"/>
-              </a:defRPr>
-            </a:lvl7pPr>
-            <a:lvl8pPr marL="3200400" indent="0" algn="l" defTabSz="914400" rtl="0" eaLnBrk="1" latinLnBrk="0" hangingPunct="1">
-              <a:lnSpc>
-                <a:spcPct val="90000"/>
-              </a:lnSpc>
-              <a:spcBef>
-                <a:spcPts val="500"/>
-              </a:spcBef>
-              <a:buFont typeface="Arial" panose="020B0604020202020204" pitchFamily="34" charset="0"/>
-              <a:buNone/>
-              <a:defRPr sz="1600" b="1" kern="1200">
-                <a:solidFill>
-                  <a:schemeClr val="tx1"/>
-                </a:solidFill>
-                <a:latin typeface="+mn-lt"/>
-                <a:ea typeface="+mn-ea"/>
-                <a:cs typeface="+mn-cs"/>
-              </a:defRPr>
-            </a:lvl8pPr>
-            <a:lvl9pPr marL="3657600" indent="0" algn="l" defTabSz="914400" rtl="0" eaLnBrk="1" latinLnBrk="0" hangingPunct="1">
-              <a:lnSpc>
-                <a:spcPct val="90000"/>
-              </a:lnSpc>
-              <a:spcBef>
-                <a:spcPts val="500"/>
-              </a:spcBef>
-              <a:buFont typeface="Arial" panose="020B0604020202020204" pitchFamily="34" charset="0"/>
-              <a:buNone/>
-              <a:defRPr sz="1600" b="1" kern="1200">
-                <a:solidFill>
-                  <a:schemeClr val="tx1"/>
-                </a:solidFill>
-                <a:latin typeface="+mn-lt"/>
-                <a:ea typeface="+mn-ea"/>
-                <a:cs typeface="+mn-cs"/>
-              </a:defRPr>
-            </a:lvl9pPr>
-          </a:lstStyle>
-          <a:p>
-            <a:r>
-              <a:rPr lang="en-US" dirty="0"/>
-              <a:t>Cosine distance = 0.1127</a:t>
-            </a:r>
-          </a:p>
-        </p:txBody>
-      </p:sp>
-      <p:sp>
-        <p:nvSpPr>
-          <p:cNvPr id="16" name="Text Placeholder 12">
-            <a:extLst>
-              <a:ext uri="{FF2B5EF4-FFF2-40B4-BE49-F238E27FC236}">
-                <a16:creationId xmlns:a16="http://schemas.microsoft.com/office/drawing/2014/main" id="{3F0D04FF-8AAF-45F8-86BD-F1A55F837EDF}"/>
-              </a:ext>
-            </a:extLst>
-          </p:cNvPr>
-          <p:cNvSpPr txBox="1">
-            <a:spLocks/>
-          </p:cNvSpPr>
-          <p:nvPr/>
-        </p:nvSpPr>
-        <p:spPr>
-          <a:xfrm>
-            <a:off x="6203956" y="1327729"/>
-            <a:ext cx="5436392" cy="535354"/>
-          </a:xfrm>
-          <a:prstGeom prst="rect">
-            <a:avLst/>
-          </a:prstGeom>
-        </p:spPr>
-        <p:txBody>
-          <a:bodyPr vert="horz" wrap="square" lIns="0" tIns="0" rIns="0" bIns="0" rtlCol="0" anchor="b">
-            <a:noAutofit/>
-          </a:bodyPr>
-          <a:lstStyle>
-            <a:lvl1pPr marL="228600" indent="-228600" algn="l" defTabSz="914400" rtl="0" eaLnBrk="1" latinLnBrk="0" hangingPunct="1">
-              <a:lnSpc>
-                <a:spcPct val="110000"/>
-              </a:lnSpc>
-              <a:spcBef>
-                <a:spcPts val="1000"/>
-              </a:spcBef>
-              <a:spcAft>
-                <a:spcPts val="800"/>
-              </a:spcAft>
-              <a:buFont typeface="Arial" panose="020B0604020202020204" pitchFamily="34" charset="0"/>
-              <a:buNone/>
-              <a:defRPr lang="en-US" sz="1400" b="0" kern="1200" cap="all" spc="200" baseline="0" dirty="0">
-                <a:solidFill>
-                  <a:schemeClr val="tx1"/>
-                </a:solidFill>
-                <a:latin typeface="+mn-lt"/>
-                <a:ea typeface="+mn-ea"/>
-                <a:cs typeface="+mn-cs"/>
-              </a:defRPr>
-            </a:lvl1pPr>
-            <a:lvl2pPr marL="685800" indent="-228600" algn="l" defTabSz="914400" rtl="0" eaLnBrk="1" latinLnBrk="0" hangingPunct="1">
-              <a:lnSpc>
-                <a:spcPct val="110000"/>
-              </a:lnSpc>
-              <a:spcBef>
-                <a:spcPts val="500"/>
-              </a:spcBef>
-              <a:spcAft>
-                <a:spcPts val="800"/>
-              </a:spcAft>
-              <a:buFont typeface="Arial" panose="020B0604020202020204" pitchFamily="34" charset="0"/>
-              <a:buChar char="•"/>
-              <a:defRPr sz="1400" kern="1200">
-                <a:solidFill>
-                  <a:schemeClr val="tx1">
-                    <a:alpha val="60000"/>
-                  </a:schemeClr>
-                </a:solidFill>
-                <a:latin typeface="+mn-lt"/>
-                <a:ea typeface="+mn-ea"/>
-                <a:cs typeface="+mn-cs"/>
-              </a:defRPr>
-            </a:lvl2pPr>
-            <a:lvl3pPr marL="1143000" indent="-228600" algn="l" defTabSz="914400" rtl="0" eaLnBrk="1" latinLnBrk="0" hangingPunct="1">
-              <a:lnSpc>
-                <a:spcPct val="110000"/>
-              </a:lnSpc>
-              <a:spcBef>
-                <a:spcPts val="500"/>
-              </a:spcBef>
-              <a:spcAft>
-                <a:spcPts val="800"/>
-              </a:spcAft>
-              <a:buFont typeface="Arial" panose="020B0604020202020204" pitchFamily="34" charset="0"/>
-              <a:buChar char="•"/>
-              <a:defRPr sz="1400" kern="1200">
-                <a:solidFill>
-                  <a:schemeClr val="tx1">
-                    <a:alpha val="60000"/>
-                  </a:schemeClr>
-                </a:solidFill>
-                <a:latin typeface="+mn-lt"/>
-                <a:ea typeface="+mn-ea"/>
-                <a:cs typeface="+mn-cs"/>
-              </a:defRPr>
-            </a:lvl3pPr>
-            <a:lvl4pPr marL="1600200" indent="-228600" algn="l" defTabSz="914400" rtl="0" eaLnBrk="1" latinLnBrk="0" hangingPunct="1">
-              <a:lnSpc>
-                <a:spcPct val="110000"/>
-              </a:lnSpc>
-              <a:spcBef>
-                <a:spcPts val="500"/>
-              </a:spcBef>
-              <a:spcAft>
-                <a:spcPts val="800"/>
-              </a:spcAft>
-              <a:buFont typeface="Arial" panose="020B0604020202020204" pitchFamily="34" charset="0"/>
-              <a:buChar char="•"/>
-              <a:defRPr sz="1400" kern="1200">
-                <a:solidFill>
-                  <a:schemeClr val="tx1">
-                    <a:alpha val="60000"/>
-                  </a:schemeClr>
-                </a:solidFill>
-                <a:latin typeface="+mn-lt"/>
-                <a:ea typeface="+mn-ea"/>
-                <a:cs typeface="+mn-cs"/>
-              </a:defRPr>
-            </a:lvl4pPr>
-            <a:lvl5pPr marL="2057400" indent="-228600" algn="l" defTabSz="914400" rtl="0" eaLnBrk="1" latinLnBrk="0" hangingPunct="1">
-              <a:lnSpc>
-                <a:spcPct val="110000"/>
-              </a:lnSpc>
-              <a:spcBef>
-                <a:spcPts val="500"/>
-              </a:spcBef>
-              <a:spcAft>
-                <a:spcPts val="800"/>
-              </a:spcAft>
-              <a:buFont typeface="Arial" panose="020B0604020202020204" pitchFamily="34" charset="0"/>
-              <a:buChar char="•"/>
-              <a:defRPr sz="1400" kern="1200">
-                <a:solidFill>
-                  <a:schemeClr val="tx1">
-                    <a:alpha val="60000"/>
-                  </a:schemeClr>
-                </a:solidFill>
-                <a:latin typeface="+mn-lt"/>
-                <a:ea typeface="+mn-ea"/>
-                <a:cs typeface="+mn-cs"/>
-              </a:defRPr>
-            </a:lvl5pPr>
-            <a:lvl6pPr marL="2514600" indent="-228600" algn="l" defTabSz="914400" rtl="0" eaLnBrk="1" latinLnBrk="0" hangingPunct="1">
-              <a:lnSpc>
-                <a:spcPct val="90000"/>
-              </a:lnSpc>
-              <a:spcBef>
-                <a:spcPts val="500"/>
-              </a:spcBef>
-              <a:buFont typeface="Arial" panose="020B0604020202020204" pitchFamily="34" charset="0"/>
-              <a:buChar char="•"/>
-              <a:defRPr sz="1800" kern="1200">
-                <a:solidFill>
-                  <a:schemeClr val="tx1"/>
-                </a:solidFill>
-                <a:latin typeface="+mn-lt"/>
-                <a:ea typeface="+mn-ea"/>
-                <a:cs typeface="+mn-cs"/>
-              </a:defRPr>
-            </a:lvl6pPr>
-            <a:lvl7pPr marL="2971800" indent="-228600" algn="l" defTabSz="914400" rtl="0" eaLnBrk="1" latinLnBrk="0" hangingPunct="1">
-              <a:lnSpc>
-                <a:spcPct val="90000"/>
-              </a:lnSpc>
-              <a:spcBef>
-                <a:spcPts val="500"/>
-              </a:spcBef>
-              <a:buFont typeface="Arial" panose="020B0604020202020204" pitchFamily="34" charset="0"/>
-              <a:buChar char="•"/>
-              <a:defRPr sz="1800" kern="1200">
-                <a:solidFill>
-                  <a:schemeClr val="tx1"/>
-                </a:solidFill>
-                <a:latin typeface="+mn-lt"/>
-                <a:ea typeface="+mn-ea"/>
-                <a:cs typeface="+mn-cs"/>
-              </a:defRPr>
-            </a:lvl7pPr>
-            <a:lvl8pPr marL="3429000" indent="-228600" algn="l" defTabSz="914400" rtl="0" eaLnBrk="1" latinLnBrk="0" hangingPunct="1">
-              <a:lnSpc>
-                <a:spcPct val="90000"/>
-              </a:lnSpc>
-              <a:spcBef>
-                <a:spcPts val="500"/>
-              </a:spcBef>
-              <a:buFont typeface="Arial" panose="020B0604020202020204" pitchFamily="34" charset="0"/>
-              <a:buChar char="•"/>
-              <a:defRPr sz="1800" kern="1200">
-                <a:solidFill>
-                  <a:schemeClr val="tx1"/>
-                </a:solidFill>
-                <a:latin typeface="+mn-lt"/>
-                <a:ea typeface="+mn-ea"/>
-                <a:cs typeface="+mn-cs"/>
-              </a:defRPr>
-            </a:lvl8pPr>
-            <a:lvl9pPr marL="3886200" indent="-228600" algn="l" defTabSz="914400" rtl="0" eaLnBrk="1" latinLnBrk="0" hangingPunct="1">
-              <a:lnSpc>
-                <a:spcPct val="90000"/>
-              </a:lnSpc>
-              <a:spcBef>
-                <a:spcPts val="500"/>
-              </a:spcBef>
-              <a:buFont typeface="Arial" panose="020B0604020202020204" pitchFamily="34" charset="0"/>
-              <a:buChar char="•"/>
-              <a:defRPr sz="1800" kern="1200">
-                <a:solidFill>
-                  <a:schemeClr val="tx1"/>
-                </a:solidFill>
-                <a:latin typeface="+mn-lt"/>
-                <a:ea typeface="+mn-ea"/>
-                <a:cs typeface="+mn-cs"/>
-              </a:defRPr>
-            </a:lvl9pPr>
-          </a:lstStyle>
-          <a:p>
-            <a:r>
-              <a:rPr lang="en-US" dirty="0"/>
-              <a:t>3-d</a:t>
-            </a:r>
-          </a:p>
-        </p:txBody>
-      </p:sp>
-    </p:spTree>
-    <p:extLst>
-      <p:ext uri="{BB962C8B-B14F-4D97-AF65-F5344CB8AC3E}">
-        <p14:creationId xmlns:p14="http://schemas.microsoft.com/office/powerpoint/2010/main" val="2433461697"/>
-      </p:ext>
-    </p:extLst>
-  </p:cSld>
-  <p:clrMapOvr>
-    <a:masterClrMapping/>
-  </p:clrMapOvr>
-  <p:timing>
-    <p:tnLst>
-      <p:par>
-        <p:cTn id="1" dur="indefinite" restart="never" nodeType="tmRoot">
-          <p:childTnLst>
-            <p:seq concurrent="1" nextAc="seek">
-              <p:cTn id="2" dur="indefinite" nodeType="mainSeq">
-                <p:childTnLst>
-                  <p:par>
-                    <p:cTn id="3" fill="hold">
-                      <p:stCondLst>
-                        <p:cond delay="indefinite"/>
-                      </p:stCondLst>
-                      <p:childTnLst>
-                        <p:par>
-                          <p:cTn id="4" fill="hold">
-                            <p:stCondLst>
-                              <p:cond delay="0"/>
-                            </p:stCondLst>
-                            <p:childTnLst>
-                              <p:par>
-                                <p:cTn id="5" presetID="42" presetClass="entr" presetSubtype="0" fill="hold" grpId="0" nodeType="clickEffect">
-                                  <p:stCondLst>
-                                    <p:cond delay="0"/>
-                                  </p:stCondLst>
-                                  <p:childTnLst>
-                                    <p:set>
-                                      <p:cBhvr>
-                                        <p:cTn id="6" dur="1" fill="hold">
-                                          <p:stCondLst>
-                                            <p:cond delay="0"/>
-                                          </p:stCondLst>
-                                        </p:cTn>
-                                        <p:tgtEl>
-                                          <p:spTgt spid="11">
-                                            <p:txEl>
-                                              <p:pRg st="0" end="0"/>
-                                            </p:txEl>
-                                          </p:spTgt>
-                                        </p:tgtEl>
-                                        <p:attrNameLst>
-                                          <p:attrName>style.visibility</p:attrName>
-                                        </p:attrNameLst>
-                                      </p:cBhvr>
-                                      <p:to>
-                                        <p:strVal val="visible"/>
-                                      </p:to>
-                                    </p:set>
-                                    <p:animEffect transition="in" filter="fade">
-                                      <p:cBhvr>
-                                        <p:cTn id="7" dur="1000"/>
-                                        <p:tgtEl>
-                                          <p:spTgt spid="11">
-                                            <p:txEl>
-                                              <p:pRg st="0" end="0"/>
-                                            </p:txEl>
-                                          </p:spTgt>
-                                        </p:tgtEl>
-                                      </p:cBhvr>
-                                    </p:animEffect>
-                                    <p:anim calcmode="lin" valueType="num">
-                                      <p:cBhvr>
-                                        <p:cTn id="8" dur="1000" fill="hold"/>
-                                        <p:tgtEl>
-                                          <p:spTgt spid="11">
-                                            <p:txEl>
-                                              <p:pRg st="0" end="0"/>
-                                            </p:txEl>
-                                          </p:spTgt>
-                                        </p:tgtEl>
-                                        <p:attrNameLst>
-                                          <p:attrName>ppt_x</p:attrName>
-                                        </p:attrNameLst>
-                                      </p:cBhvr>
-                                      <p:tavLst>
-                                        <p:tav tm="0">
-                                          <p:val>
-                                            <p:strVal val="#ppt_x"/>
-                                          </p:val>
-                                        </p:tav>
-                                        <p:tav tm="100000">
-                                          <p:val>
-                                            <p:strVal val="#ppt_x"/>
-                                          </p:val>
-                                        </p:tav>
-                                      </p:tavLst>
-                                    </p:anim>
-                                    <p:anim calcmode="lin" valueType="num">
-                                      <p:cBhvr>
-                                        <p:cTn id="9" dur="1000" fill="hold"/>
-                                        <p:tgtEl>
-                                          <p:spTgt spid="11">
-                                            <p:txEl>
-                                              <p:pRg st="0" end="0"/>
-                                            </p:txEl>
-                                          </p:spTgt>
-                                        </p:tgtEl>
-                                        <p:attrNameLst>
-                                          <p:attrName>ppt_y</p:attrName>
-                                        </p:attrNameLst>
-                                      </p:cBhvr>
-                                      <p:tavLst>
-                                        <p:tav tm="0">
-                                          <p:val>
-                                            <p:strVal val="#ppt_y+.1"/>
-                                          </p:val>
-                                        </p:tav>
-                                        <p:tav tm="100000">
-                                          <p:val>
-                                            <p:strVal val="#ppt_y"/>
-                                          </p:val>
-                                        </p:tav>
-                                      </p:tavLst>
-                                    </p:anim>
-                                  </p:childTnLst>
-                                </p:cTn>
-                              </p:par>
-                              <p:par>
-                                <p:cTn id="10" presetID="42" presetClass="entr" presetSubtype="0" fill="hold" grpId="0" nodeType="withEffect">
-                                  <p:stCondLst>
-                                    <p:cond delay="0"/>
-                                  </p:stCondLst>
-                                  <p:childTnLst>
-                                    <p:set>
-                                      <p:cBhvr>
-                                        <p:cTn id="11" dur="1" fill="hold">
-                                          <p:stCondLst>
-                                            <p:cond delay="0"/>
-                                          </p:stCondLst>
-                                        </p:cTn>
-                                        <p:tgtEl>
-                                          <p:spTgt spid="15"/>
-                                        </p:tgtEl>
-                                        <p:attrNameLst>
-                                          <p:attrName>style.visibility</p:attrName>
-                                        </p:attrNameLst>
-                                      </p:cBhvr>
-                                      <p:to>
-                                        <p:strVal val="visible"/>
-                                      </p:to>
-                                    </p:set>
-                                    <p:animEffect transition="in" filter="fade">
-                                      <p:cBhvr>
-                                        <p:cTn id="12" dur="1000"/>
-                                        <p:tgtEl>
-                                          <p:spTgt spid="15"/>
-                                        </p:tgtEl>
-                                      </p:cBhvr>
-                                    </p:animEffect>
-                                    <p:anim calcmode="lin" valueType="num">
-                                      <p:cBhvr>
-                                        <p:cTn id="13" dur="1000" fill="hold"/>
-                                        <p:tgtEl>
-                                          <p:spTgt spid="15"/>
-                                        </p:tgtEl>
-                                        <p:attrNameLst>
-                                          <p:attrName>ppt_x</p:attrName>
-                                        </p:attrNameLst>
-                                      </p:cBhvr>
-                                      <p:tavLst>
-                                        <p:tav tm="0">
-                                          <p:val>
-                                            <p:strVal val="#ppt_x"/>
-                                          </p:val>
-                                        </p:tav>
-                                        <p:tav tm="100000">
-                                          <p:val>
-                                            <p:strVal val="#ppt_x"/>
-                                          </p:val>
-                                        </p:tav>
-                                      </p:tavLst>
-                                    </p:anim>
-                                    <p:anim calcmode="lin" valueType="num">
-                                      <p:cBhvr>
-                                        <p:cTn id="14" dur="1000" fill="hold"/>
-                                        <p:tgtEl>
-                                          <p:spTgt spid="15"/>
-                                        </p:tgtEl>
-                                        <p:attrNameLst>
-                                          <p:attrName>ppt_y</p:attrName>
-                                        </p:attrNameLst>
-                                      </p:cBhvr>
-                                      <p:tavLst>
-                                        <p:tav tm="0">
-                                          <p:val>
-                                            <p:strVal val="#ppt_y+.1"/>
-                                          </p:val>
-                                        </p:tav>
-                                        <p:tav tm="100000">
-                                          <p:val>
-                                            <p:strVal val="#ppt_y"/>
-                                          </p:val>
-                                        </p:tav>
-                                      </p:tavLst>
-                                    </p:anim>
-                                  </p:childTnLst>
-                                </p:cTn>
-                              </p:par>
-                              <p:par>
-                                <p:cTn id="15" presetID="42" presetClass="entr" presetSubtype="0" fill="hold" nodeType="withEffect">
-                                  <p:stCondLst>
-                                    <p:cond delay="0"/>
-                                  </p:stCondLst>
-                                  <p:childTnLst>
-                                    <p:set>
-                                      <p:cBhvr>
-                                        <p:cTn id="16" dur="1" fill="hold">
-                                          <p:stCondLst>
-                                            <p:cond delay="0"/>
-                                          </p:stCondLst>
-                                        </p:cTn>
-                                        <p:tgtEl>
-                                          <p:spTgt spid="30"/>
-                                        </p:tgtEl>
-                                        <p:attrNameLst>
-                                          <p:attrName>style.visibility</p:attrName>
-                                        </p:attrNameLst>
-                                      </p:cBhvr>
-                                      <p:to>
-                                        <p:strVal val="visible"/>
-                                      </p:to>
-                                    </p:set>
-                                    <p:animEffect transition="in" filter="fade">
-                                      <p:cBhvr>
-                                        <p:cTn id="17" dur="1000"/>
-                                        <p:tgtEl>
-                                          <p:spTgt spid="30"/>
-                                        </p:tgtEl>
-                                      </p:cBhvr>
-                                    </p:animEffect>
-                                    <p:anim calcmode="lin" valueType="num">
-                                      <p:cBhvr>
-                                        <p:cTn id="18" dur="1000" fill="hold"/>
-                                        <p:tgtEl>
-                                          <p:spTgt spid="30"/>
-                                        </p:tgtEl>
-                                        <p:attrNameLst>
-                                          <p:attrName>ppt_x</p:attrName>
-                                        </p:attrNameLst>
-                                      </p:cBhvr>
-                                      <p:tavLst>
-                                        <p:tav tm="0">
-                                          <p:val>
-                                            <p:strVal val="#ppt_x"/>
-                                          </p:val>
-                                        </p:tav>
-                                        <p:tav tm="100000">
-                                          <p:val>
-                                            <p:strVal val="#ppt_x"/>
-                                          </p:val>
-                                        </p:tav>
-                                      </p:tavLst>
-                                    </p:anim>
-                                    <p:anim calcmode="lin" valueType="num">
-                                      <p:cBhvr>
-                                        <p:cTn id="19" dur="1000" fill="hold"/>
-                                        <p:tgtEl>
-                                          <p:spTgt spid="30"/>
-                                        </p:tgtEl>
-                                        <p:attrNameLst>
-                                          <p:attrName>ppt_y</p:attrName>
-                                        </p:attrNameLst>
-                                      </p:cBhvr>
-                                      <p:tavLst>
-                                        <p:tav tm="0">
-                                          <p:val>
-                                            <p:strVal val="#ppt_y+.1"/>
-                                          </p:val>
-                                        </p:tav>
-                                        <p:tav tm="100000">
-                                          <p:val>
-                                            <p:strVal val="#ppt_y"/>
-                                          </p:val>
-                                        </p:tav>
-                                      </p:tavLst>
-                                    </p:anim>
-                                  </p:childTnLst>
-                                </p:cTn>
-                              </p:par>
-                            </p:childTnLst>
-                          </p:cTn>
-                        </p:par>
-                      </p:childTnLst>
-                    </p:cTn>
-                  </p:par>
-                  <p:par>
-                    <p:cTn id="20" fill="hold">
-                      <p:stCondLst>
-                        <p:cond delay="indefinite"/>
-                      </p:stCondLst>
-                      <p:childTnLst>
-                        <p:par>
-                          <p:cTn id="21" fill="hold">
-                            <p:stCondLst>
-                              <p:cond delay="0"/>
-                            </p:stCondLst>
-                            <p:childTnLst>
-                              <p:par>
-                                <p:cTn id="22" presetID="42" presetClass="entr" presetSubtype="0" fill="hold" grpId="0" nodeType="clickEffect">
-                                  <p:stCondLst>
-                                    <p:cond delay="0"/>
-                                  </p:stCondLst>
-                                  <p:childTnLst>
-                                    <p:set>
-                                      <p:cBhvr>
-                                        <p:cTn id="23" dur="1" fill="hold">
-                                          <p:stCondLst>
-                                            <p:cond delay="0"/>
-                                          </p:stCondLst>
-                                        </p:cTn>
-                                        <p:tgtEl>
-                                          <p:spTgt spid="16"/>
-                                        </p:tgtEl>
-                                        <p:attrNameLst>
-                                          <p:attrName>style.visibility</p:attrName>
-                                        </p:attrNameLst>
-                                      </p:cBhvr>
-                                      <p:to>
-                                        <p:strVal val="visible"/>
-                                      </p:to>
-                                    </p:set>
-                                    <p:animEffect transition="in" filter="fade">
-                                      <p:cBhvr>
-                                        <p:cTn id="24" dur="1000"/>
-                                        <p:tgtEl>
-                                          <p:spTgt spid="16"/>
-                                        </p:tgtEl>
-                                      </p:cBhvr>
-                                    </p:animEffect>
-                                    <p:anim calcmode="lin" valueType="num">
-                                      <p:cBhvr>
-                                        <p:cTn id="25" dur="1000" fill="hold"/>
-                                        <p:tgtEl>
-                                          <p:spTgt spid="16"/>
-                                        </p:tgtEl>
-                                        <p:attrNameLst>
-                                          <p:attrName>ppt_x</p:attrName>
-                                        </p:attrNameLst>
-                                      </p:cBhvr>
-                                      <p:tavLst>
-                                        <p:tav tm="0">
-                                          <p:val>
-                                            <p:strVal val="#ppt_x"/>
-                                          </p:val>
-                                        </p:tav>
-                                        <p:tav tm="100000">
-                                          <p:val>
-                                            <p:strVal val="#ppt_x"/>
-                                          </p:val>
-                                        </p:tav>
-                                      </p:tavLst>
-                                    </p:anim>
-                                    <p:anim calcmode="lin" valueType="num">
-                                      <p:cBhvr>
-                                        <p:cTn id="26" dur="1000" fill="hold"/>
-                                        <p:tgtEl>
-                                          <p:spTgt spid="16"/>
-                                        </p:tgtEl>
-                                        <p:attrNameLst>
-                                          <p:attrName>ppt_y</p:attrName>
-                                        </p:attrNameLst>
-                                      </p:cBhvr>
-                                      <p:tavLst>
-                                        <p:tav tm="0">
-                                          <p:val>
-                                            <p:strVal val="#ppt_y+.1"/>
-                                          </p:val>
-                                        </p:tav>
-                                        <p:tav tm="100000">
-                                          <p:val>
-                                            <p:strVal val="#ppt_y"/>
-                                          </p:val>
-                                        </p:tav>
-                                      </p:tavLst>
-                                    </p:anim>
-                                  </p:childTnLst>
-                                </p:cTn>
-                              </p:par>
-                              <p:par>
-                                <p:cTn id="27" presetID="42" presetClass="entr" presetSubtype="0" fill="hold" grpId="0" nodeType="withEffect">
-                                  <p:stCondLst>
-                                    <p:cond delay="0"/>
-                                  </p:stCondLst>
-                                  <p:childTnLst>
-                                    <p:set>
-                                      <p:cBhvr>
-                                        <p:cTn id="28" dur="1" fill="hold">
-                                          <p:stCondLst>
-                                            <p:cond delay="0"/>
-                                          </p:stCondLst>
-                                        </p:cTn>
-                                        <p:tgtEl>
-                                          <p:spTgt spid="13">
-                                            <p:txEl>
-                                              <p:pRg st="0" end="0"/>
-                                            </p:txEl>
-                                          </p:spTgt>
-                                        </p:tgtEl>
-                                        <p:attrNameLst>
-                                          <p:attrName>style.visibility</p:attrName>
-                                        </p:attrNameLst>
-                                      </p:cBhvr>
-                                      <p:to>
-                                        <p:strVal val="visible"/>
-                                      </p:to>
-                                    </p:set>
-                                    <p:animEffect transition="in" filter="fade">
-                                      <p:cBhvr>
-                                        <p:cTn id="29" dur="1000"/>
-                                        <p:tgtEl>
-                                          <p:spTgt spid="13">
-                                            <p:txEl>
-                                              <p:pRg st="0" end="0"/>
-                                            </p:txEl>
-                                          </p:spTgt>
-                                        </p:tgtEl>
-                                      </p:cBhvr>
-                                    </p:animEffect>
-                                    <p:anim calcmode="lin" valueType="num">
-                                      <p:cBhvr>
-                                        <p:cTn id="30" dur="1000" fill="hold"/>
-                                        <p:tgtEl>
-                                          <p:spTgt spid="13">
-                                            <p:txEl>
-                                              <p:pRg st="0" end="0"/>
-                                            </p:txEl>
-                                          </p:spTgt>
-                                        </p:tgtEl>
-                                        <p:attrNameLst>
-                                          <p:attrName>ppt_x</p:attrName>
-                                        </p:attrNameLst>
-                                      </p:cBhvr>
-                                      <p:tavLst>
-                                        <p:tav tm="0">
-                                          <p:val>
-                                            <p:strVal val="#ppt_x"/>
-                                          </p:val>
-                                        </p:tav>
-                                        <p:tav tm="100000">
-                                          <p:val>
-                                            <p:strVal val="#ppt_x"/>
-                                          </p:val>
-                                        </p:tav>
-                                      </p:tavLst>
-                                    </p:anim>
-                                    <p:anim calcmode="lin" valueType="num">
-                                      <p:cBhvr>
-                                        <p:cTn id="31" dur="1000" fill="hold"/>
-                                        <p:tgtEl>
-                                          <p:spTgt spid="13">
-                                            <p:txEl>
-                                              <p:pRg st="0" end="0"/>
-                                            </p:txEl>
-                                          </p:spTgt>
-                                        </p:tgtEl>
-                                        <p:attrNameLst>
-                                          <p:attrName>ppt_y</p:attrName>
-                                        </p:attrNameLst>
-                                      </p:cBhvr>
-                                      <p:tavLst>
-                                        <p:tav tm="0">
-                                          <p:val>
-                                            <p:strVal val="#ppt_y+.1"/>
-                                          </p:val>
-                                        </p:tav>
-                                        <p:tav tm="100000">
-                                          <p:val>
-                                            <p:strVal val="#ppt_y"/>
-                                          </p:val>
-                                        </p:tav>
-                                      </p:tavLst>
-                                    </p:anim>
-                                  </p:childTnLst>
-                                </p:cTn>
-                              </p:par>
-                              <p:par>
-                                <p:cTn id="32" presetID="42" presetClass="entr" presetSubtype="0" fill="hold" nodeType="withEffect">
-                                  <p:stCondLst>
-                                    <p:cond delay="0"/>
-                                  </p:stCondLst>
-                                  <p:childTnLst>
-                                    <p:set>
-                                      <p:cBhvr>
-                                        <p:cTn id="33" dur="1" fill="hold">
-                                          <p:stCondLst>
-                                            <p:cond delay="0"/>
-                                          </p:stCondLst>
-                                        </p:cTn>
-                                        <p:tgtEl>
-                                          <p:spTgt spid="32"/>
-                                        </p:tgtEl>
-                                        <p:attrNameLst>
-                                          <p:attrName>style.visibility</p:attrName>
-                                        </p:attrNameLst>
-                                      </p:cBhvr>
-                                      <p:to>
-                                        <p:strVal val="visible"/>
-                                      </p:to>
-                                    </p:set>
-                                    <p:animEffect transition="in" filter="fade">
-                                      <p:cBhvr>
-                                        <p:cTn id="34" dur="1000"/>
-                                        <p:tgtEl>
-                                          <p:spTgt spid="32"/>
-                                        </p:tgtEl>
-                                      </p:cBhvr>
-                                    </p:animEffect>
-                                    <p:anim calcmode="lin" valueType="num">
-                                      <p:cBhvr>
-                                        <p:cTn id="35" dur="1000" fill="hold"/>
-                                        <p:tgtEl>
-                                          <p:spTgt spid="32"/>
-                                        </p:tgtEl>
-                                        <p:attrNameLst>
-                                          <p:attrName>ppt_x</p:attrName>
-                                        </p:attrNameLst>
-                                      </p:cBhvr>
-                                      <p:tavLst>
-                                        <p:tav tm="0">
-                                          <p:val>
-                                            <p:strVal val="#ppt_x"/>
-                                          </p:val>
-                                        </p:tav>
-                                        <p:tav tm="100000">
-                                          <p:val>
-                                            <p:strVal val="#ppt_x"/>
-                                          </p:val>
-                                        </p:tav>
-                                      </p:tavLst>
-                                    </p:anim>
-                                    <p:anim calcmode="lin" valueType="num">
-                                      <p:cBhvr>
-                                        <p:cTn id="36" dur="1000" fill="hold"/>
-                                        <p:tgtEl>
-                                          <p:spTgt spid="32"/>
-                                        </p:tgtEl>
-                                        <p:attrNameLst>
-                                          <p:attrName>ppt_y</p:attrName>
-                                        </p:attrNameLst>
-                                      </p:cBhvr>
-                                      <p:tavLst>
-                                        <p:tav tm="0">
-                                          <p:val>
-                                            <p:strVal val="#ppt_y+.1"/>
-                                          </p:val>
-                                        </p:tav>
-                                        <p:tav tm="100000">
-                                          <p:val>
-                                            <p:strVal val="#ppt_y"/>
-                                          </p:val>
-                                        </p:tav>
-                                      </p:tavLst>
-                                    </p:anim>
-                                  </p:childTnLst>
-                                </p:cTn>
-                              </p:par>
-                            </p:childTnLst>
-                          </p:cTn>
-                        </p:par>
-                      </p:childTnLst>
-                    </p:cTn>
-                  </p:par>
-                </p:childTnLst>
-              </p:cTn>
-              <p:prevCondLst>
-                <p:cond evt="onPrev" delay="0">
-                  <p:tgtEl>
-                    <p:sldTgt/>
-                  </p:tgtEl>
-                </p:cond>
-              </p:prevCondLst>
-              <p:nextCondLst>
-                <p:cond evt="onNext" delay="0">
-                  <p:tgtEl>
-                    <p:sldTgt/>
-                  </p:tgtEl>
-                </p:cond>
-              </p:nextCondLst>
-            </p:seq>
-          </p:childTnLst>
-        </p:cTn>
-      </p:par>
-    </p:tnLst>
-    <p:bldLst>
-      <p:bldP spid="11" grpId="0" build="p"/>
-      <p:bldP spid="13" grpId="0" build="p"/>
-      <p:bldP spid="15" grpId="0"/>
-      <p:bldP spid="16" grpId="0"/>
-    </p:bldLst>
-  </p:timing>
 </p:sld>
 </file>
 
@@ -28069,25 +28947,6 @@
 </file>
 
 <file path=customXml/item2.xml><?xml version="1.0" encoding="utf-8"?>
-<p:properties xmlns:p="http://schemas.microsoft.com/office/2006/metadata/properties" xmlns:xsi="http://www.w3.org/2001/XMLSchema-instance" xmlns:pc="http://schemas.microsoft.com/office/infopath/2007/PartnerControls">
-  <documentManagement>
-    <_ip_UnifiedCompliancePolicyUIAction xmlns="http://schemas.microsoft.com/sharepoint/v3" xsi:nil="true"/>
-    <Image xmlns="71af3243-3dd4-4a8d-8c0d-dd76da1f02a5">
-      <Url xsi:nil="true"/>
-      <Description xsi:nil="true"/>
-    </Image>
-    <Status xmlns="71af3243-3dd4-4a8d-8c0d-dd76da1f02a5">Not started</Status>
-    <_ip_UnifiedCompliancePolicyProperties xmlns="http://schemas.microsoft.com/sharepoint/v3" xsi:nil="true"/>
-    <lcf76f155ced4ddcb4097134ff3c332f xmlns="71af3243-3dd4-4a8d-8c0d-dd76da1f02a5">
-      <Terms xmlns="http://schemas.microsoft.com/office/infopath/2007/PartnerControls"/>
-    </lcf76f155ced4ddcb4097134ff3c332f>
-    <TaxCatchAll xmlns="230e9df3-be65-4c73-a93b-d1236ebd677e"/>
-    <MediaServiceKeyPoints xmlns="71af3243-3dd4-4a8d-8c0d-dd76da1f02a5" xsi:nil="true"/>
-  </documentManagement>
-</p:properties>
-</file>
-
-<file path=customXml/item3.xml><?xml version="1.0" encoding="utf-8"?>
 <ct:contentTypeSchema xmlns:ct="http://schemas.microsoft.com/office/2006/metadata/contentType" xmlns:ma="http://schemas.microsoft.com/office/2006/metadata/properties/metaAttributes" ct:_="" ma:_="" ma:contentTypeName="Document" ma:contentTypeID="0x01010079F111ED35F8CC479449609E8A0923A6" ma:contentTypeVersion="18" ma:contentTypeDescription="Create a new document." ma:contentTypeScope="" ma:versionID="22a266b9fa9a230c5a512669d8b298c3">
   <xsd:schema xmlns:xsd="http://www.w3.org/2001/XMLSchema" xmlns:xs="http://www.w3.org/2001/XMLSchema" xmlns:p="http://schemas.microsoft.com/office/2006/metadata/properties" xmlns:ns1="http://schemas.microsoft.com/sharepoint/v3" xmlns:ns2="71af3243-3dd4-4a8d-8c0d-dd76da1f02a5" xmlns:ns3="16c05727-aa75-4e4a-9b5f-8a80a1165891" xmlns:ns4="230e9df3-be65-4c73-a93b-d1236ebd677e" targetNamespace="http://schemas.microsoft.com/office/2006/metadata/properties" ma:root="true" ma:fieldsID="eddc33fff6b14141ee5c74a0d29ea6a1" ns1:_="" ns2:_="" ns3:_="" ns4:_="">
     <xsd:import namespace="http://schemas.microsoft.com/sharepoint/v3"/>
@@ -28363,6 +29222,25 @@
 </ct:contentTypeSchema>
 </file>
 
+<file path=customXml/item3.xml><?xml version="1.0" encoding="utf-8"?>
+<p:properties xmlns:p="http://schemas.microsoft.com/office/2006/metadata/properties" xmlns:xsi="http://www.w3.org/2001/XMLSchema-instance" xmlns:pc="http://schemas.microsoft.com/office/infopath/2007/PartnerControls">
+  <documentManagement>
+    <_ip_UnifiedCompliancePolicyUIAction xmlns="http://schemas.microsoft.com/sharepoint/v3" xsi:nil="true"/>
+    <Image xmlns="71af3243-3dd4-4a8d-8c0d-dd76da1f02a5">
+      <Url xsi:nil="true"/>
+      <Description xsi:nil="true"/>
+    </Image>
+    <Status xmlns="71af3243-3dd4-4a8d-8c0d-dd76da1f02a5">Not started</Status>
+    <_ip_UnifiedCompliancePolicyProperties xmlns="http://schemas.microsoft.com/sharepoint/v3" xsi:nil="true"/>
+    <lcf76f155ced4ddcb4097134ff3c332f xmlns="71af3243-3dd4-4a8d-8c0d-dd76da1f02a5">
+      <Terms xmlns="http://schemas.microsoft.com/office/infopath/2007/PartnerControls"/>
+    </lcf76f155ced4ddcb4097134ff3c332f>
+    <TaxCatchAll xmlns="230e9df3-be65-4c73-a93b-d1236ebd677e"/>
+    <MediaServiceKeyPoints xmlns="71af3243-3dd4-4a8d-8c0d-dd76da1f02a5" xsi:nil="true"/>
+  </documentManagement>
+</p:properties>
+</file>
+
 <file path=customXml/itemProps1.xml><?xml version="1.0" encoding="utf-8"?>
 <ds:datastoreItem xmlns:ds="http://schemas.openxmlformats.org/officeDocument/2006/customXml" ds:itemID="{904751AB-E840-446F-8D49-E697067EC887}">
   <ds:schemaRefs>
@@ -28372,25 +29250,6 @@
 </file>
 
 <file path=customXml/itemProps2.xml><?xml version="1.0" encoding="utf-8"?>
-<ds:datastoreItem xmlns:ds="http://schemas.openxmlformats.org/officeDocument/2006/customXml" ds:itemID="{50811A92-D464-4AC4-A396-BA73B10CEEAC}">
-  <ds:schemaRefs>
-    <ds:schemaRef ds:uri="http://purl.org/dc/elements/1.1/"/>
-    <ds:schemaRef ds:uri="http://www.w3.org/XML/1998/namespace"/>
-    <ds:schemaRef ds:uri="http://schemas.microsoft.com/sharepoint/v3"/>
-    <ds:schemaRef ds:uri="http://schemas.microsoft.com/office/infopath/2007/PartnerControls"/>
-    <ds:schemaRef ds:uri="http://purl.org/dc/dcmitype/"/>
-    <ds:schemaRef ds:uri="71af3243-3dd4-4a8d-8c0d-dd76da1f02a5"/>
-    <ds:schemaRef ds:uri="http://schemas.openxmlformats.org/package/2006/metadata/core-properties"/>
-    <ds:schemaRef ds:uri="http://schemas.microsoft.com/office/2006/documentManagement/types"/>
-    <ds:schemaRef ds:uri="http://purl.org/dc/terms/"/>
-    <ds:schemaRef ds:uri="230e9df3-be65-4c73-a93b-d1236ebd677e"/>
-    <ds:schemaRef ds:uri="16c05727-aa75-4e4a-9b5f-8a80a1165891"/>
-    <ds:schemaRef ds:uri="http://schemas.microsoft.com/office/2006/metadata/properties"/>
-  </ds:schemaRefs>
-</ds:datastoreItem>
-</file>
-
-<file path=customXml/itemProps3.xml><?xml version="1.0" encoding="utf-8"?>
 <ds:datastoreItem xmlns:ds="http://schemas.openxmlformats.org/officeDocument/2006/customXml" ds:itemID="{DE4876F9-7AE1-498D-B8FE-1E3AD703D2AF}">
   <ds:schemaRefs>
     <ds:schemaRef ds:uri="http://schemas.microsoft.com/office/2006/metadata/contentType"/>
@@ -28411,6 +29270,25 @@
 </ds:datastoreItem>
 </file>
 
+<file path=customXml/itemProps3.xml><?xml version="1.0" encoding="utf-8"?>
+<ds:datastoreItem xmlns:ds="http://schemas.openxmlformats.org/officeDocument/2006/customXml" ds:itemID="{50811A92-D464-4AC4-A396-BA73B10CEEAC}">
+  <ds:schemaRefs>
+    <ds:schemaRef ds:uri="http://purl.org/dc/elements/1.1/"/>
+    <ds:schemaRef ds:uri="http://www.w3.org/XML/1998/namespace"/>
+    <ds:schemaRef ds:uri="http://schemas.microsoft.com/sharepoint/v3"/>
+    <ds:schemaRef ds:uri="http://schemas.microsoft.com/office/infopath/2007/PartnerControls"/>
+    <ds:schemaRef ds:uri="http://purl.org/dc/dcmitype/"/>
+    <ds:schemaRef ds:uri="71af3243-3dd4-4a8d-8c0d-dd76da1f02a5"/>
+    <ds:schemaRef ds:uri="http://schemas.openxmlformats.org/package/2006/metadata/core-properties"/>
+    <ds:schemaRef ds:uri="http://schemas.microsoft.com/office/2006/documentManagement/types"/>
+    <ds:schemaRef ds:uri="http://purl.org/dc/terms/"/>
+    <ds:schemaRef ds:uri="230e9df3-be65-4c73-a93b-d1236ebd677e"/>
+    <ds:schemaRef ds:uri="16c05727-aa75-4e4a-9b5f-8a80a1165891"/>
+    <ds:schemaRef ds:uri="http://schemas.microsoft.com/office/2006/metadata/properties"/>
+  </ds:schemaRefs>
+</ds:datastoreItem>
+</file>
+
 <file path=docMetadata/LabelInfo.xml><?xml version="1.0" encoding="utf-8"?>
 <clbl:labelList xmlns:clbl="http://schemas.microsoft.com/office/2020/mipLabelMetadata">
   <clbl:label id="{f42aa342-8706-4288-bd11-ebb85995028c}" enabled="1" method="Standard" siteId="{72f988bf-86f1-41af-91ab-2d7cd011db47}" contentBits="0" removed="0"/>
